--- a/Slides/PH223_Lecture_14.pptx
+++ b/Slides/PH223_Lecture_14.pptx
@@ -149,13 +149,82 @@
 <file path=ppt/revisionInfo.xml><?xml version="1.0" encoding="utf-8"?>
 <p1510:revInfo xmlns:a="http://schemas.openxmlformats.org/drawingml/2006/main" xmlns:r="http://schemas.openxmlformats.org/officeDocument/2006/relationships" xmlns:p1510="http://schemas.microsoft.com/office/powerpoint/2015/10/main">
   <p1510:revLst>
-    <p1510:client id="{8C0966D9-4501-4321-948E-6C0235247E46}" v="12" dt="2024-03-07T22:51:02.846"/>
+    <p1510:client id="{BA16693F-52F8-4F53-85A2-06887E8B9481}" v="8" dt="2025-10-07T16:38:22.848"/>
   </p1510:revLst>
 </p1510:revInfo>
 </file>
 
 <file path=ppt/changesInfos/changesInfo1.xml><?xml version="1.0" encoding="utf-8"?>
 <pc:chgInfo xmlns:a="http://schemas.openxmlformats.org/drawingml/2006/main" xmlns:r="http://schemas.openxmlformats.org/officeDocument/2006/relationships" xmlns:ac="http://schemas.microsoft.com/office/drawing/2013/main/command" xmlns:pc="http://schemas.microsoft.com/office/powerpoint/2013/main/command">
+  <pc:docChgLst>
+    <pc:chgData name="Lines, Todd" userId="afaf7c3a-e8aa-4568-882a-02ad8f9e19b0" providerId="ADAL" clId="{5FF5AC1B-ABA9-43D7-A1E3-2D92732CD6E2}"/>
+    <pc:docChg chg="modSld">
+      <pc:chgData name="Lines, Todd" userId="afaf7c3a-e8aa-4568-882a-02ad8f9e19b0" providerId="ADAL" clId="{5FF5AC1B-ABA9-43D7-A1E3-2D92732CD6E2}" dt="2025-10-07T16:38:22.848" v="9" actId="20577"/>
+      <pc:docMkLst>
+        <pc:docMk/>
+      </pc:docMkLst>
+      <pc:sldChg chg="modSp mod">
+        <pc:chgData name="Lines, Todd" userId="afaf7c3a-e8aa-4568-882a-02ad8f9e19b0" providerId="ADAL" clId="{5FF5AC1B-ABA9-43D7-A1E3-2D92732CD6E2}" dt="2025-10-07T16:37:08.266" v="8" actId="20577"/>
+        <pc:sldMkLst>
+          <pc:docMk/>
+          <pc:sldMk cId="0" sldId="256"/>
+        </pc:sldMkLst>
+        <pc:spChg chg="mod">
+          <ac:chgData name="Lines, Todd" userId="afaf7c3a-e8aa-4568-882a-02ad8f9e19b0" providerId="ADAL" clId="{5FF5AC1B-ABA9-43D7-A1E3-2D92732CD6E2}" dt="2025-10-07T16:37:08.266" v="8" actId="20577"/>
+          <ac:spMkLst>
+            <pc:docMk/>
+            <pc:sldMk cId="0" sldId="256"/>
+            <ac:spMk id="5" creationId="{9C26FA57-4DD4-AE5C-6B69-6509338D0DA8}"/>
+          </ac:spMkLst>
+        </pc:spChg>
+      </pc:sldChg>
+      <pc:sldChg chg="modSp">
+        <pc:chgData name="Lines, Todd" userId="afaf7c3a-e8aa-4568-882a-02ad8f9e19b0" providerId="ADAL" clId="{5FF5AC1B-ABA9-43D7-A1E3-2D92732CD6E2}" dt="2025-10-06T20:27:18.789" v="4" actId="20577"/>
+        <pc:sldMkLst>
+          <pc:docMk/>
+          <pc:sldMk cId="1046952072" sldId="1435"/>
+        </pc:sldMkLst>
+        <pc:spChg chg="mod">
+          <ac:chgData name="Lines, Todd" userId="afaf7c3a-e8aa-4568-882a-02ad8f9e19b0" providerId="ADAL" clId="{5FF5AC1B-ABA9-43D7-A1E3-2D92732CD6E2}" dt="2025-10-06T20:27:18.789" v="4" actId="20577"/>
+          <ac:spMkLst>
+            <pc:docMk/>
+            <pc:sldMk cId="1046952072" sldId="1435"/>
+            <ac:spMk id="3" creationId="{00000000-0000-0000-0000-000000000000}"/>
+          </ac:spMkLst>
+        </pc:spChg>
+      </pc:sldChg>
+      <pc:sldChg chg="modSp">
+        <pc:chgData name="Lines, Todd" userId="afaf7c3a-e8aa-4568-882a-02ad8f9e19b0" providerId="ADAL" clId="{5FF5AC1B-ABA9-43D7-A1E3-2D92732CD6E2}" dt="2025-10-07T16:38:22.848" v="9" actId="20577"/>
+        <pc:sldMkLst>
+          <pc:docMk/>
+          <pc:sldMk cId="3116806468" sldId="1441"/>
+        </pc:sldMkLst>
+        <pc:spChg chg="mod">
+          <ac:chgData name="Lines, Todd" userId="afaf7c3a-e8aa-4568-882a-02ad8f9e19b0" providerId="ADAL" clId="{5FF5AC1B-ABA9-43D7-A1E3-2D92732CD6E2}" dt="2025-10-07T16:38:22.848" v="9" actId="20577"/>
+          <ac:spMkLst>
+            <pc:docMk/>
+            <pc:sldMk cId="3116806468" sldId="1441"/>
+            <ac:spMk id="9" creationId="{960AA896-808E-1FC7-A972-3AB0CB11D1B1}"/>
+          </ac:spMkLst>
+        </pc:spChg>
+      </pc:sldChg>
+      <pc:sldChg chg="modSp">
+        <pc:chgData name="Lines, Todd" userId="afaf7c3a-e8aa-4568-882a-02ad8f9e19b0" providerId="ADAL" clId="{5FF5AC1B-ABA9-43D7-A1E3-2D92732CD6E2}" dt="2025-10-07T16:37:02.317" v="6" actId="20577"/>
+        <pc:sldMkLst>
+          <pc:docMk/>
+          <pc:sldMk cId="3224742796" sldId="1442"/>
+        </pc:sldMkLst>
+        <pc:spChg chg="mod">
+          <ac:chgData name="Lines, Todd" userId="afaf7c3a-e8aa-4568-882a-02ad8f9e19b0" providerId="ADAL" clId="{5FF5AC1B-ABA9-43D7-A1E3-2D92732CD6E2}" dt="2025-10-07T16:37:02.317" v="6" actId="20577"/>
+          <ac:spMkLst>
+            <pc:docMk/>
+            <pc:sldMk cId="3224742796" sldId="1442"/>
+            <ac:spMk id="9" creationId="{960AA896-808E-1FC7-A972-3AB0CB11D1B1}"/>
+          </ac:spMkLst>
+        </pc:spChg>
+      </pc:sldChg>
+    </pc:docChg>
+  </pc:docChgLst>
   <pc:docChgLst>
     <pc:chgData name="Lines, Todd" userId="afaf7c3a-e8aa-4568-882a-02ad8f9e19b0" providerId="ADAL" clId="{8C0966D9-4501-4321-948E-6C0235247E46}"/>
     <pc:docChg chg="addSld modSld">
@@ -169,62 +238,6 @@
           <pc:docMk/>
           <pc:sldMk cId="0" sldId="275"/>
         </pc:sldMkLst>
-        <pc:spChg chg="mod">
-          <ac:chgData name="Lines, Todd" userId="afaf7c3a-e8aa-4568-882a-02ad8f9e19b0" providerId="ADAL" clId="{8C0966D9-4501-4321-948E-6C0235247E46}" dt="2024-03-07T22:41:32.840" v="15" actId="338"/>
-          <ac:spMkLst>
-            <pc:docMk/>
-            <pc:sldMk cId="0" sldId="275"/>
-            <ac:spMk id="3" creationId="{00000000-0000-0000-0000-000000000000}"/>
-          </ac:spMkLst>
-        </pc:spChg>
-        <pc:spChg chg="del mod topLvl">
-          <ac:chgData name="Lines, Todd" userId="afaf7c3a-e8aa-4568-882a-02ad8f9e19b0" providerId="ADAL" clId="{8C0966D9-4501-4321-948E-6C0235247E46}" dt="2024-03-07T22:42:47.058" v="32" actId="478"/>
-          <ac:spMkLst>
-            <pc:docMk/>
-            <pc:sldMk cId="0" sldId="275"/>
-            <ac:spMk id="6" creationId="{9C88AF99-8DB4-BF65-18AE-057CAE02B3D6}"/>
-          </ac:spMkLst>
-        </pc:spChg>
-        <pc:grpChg chg="mod">
-          <ac:chgData name="Lines, Todd" userId="afaf7c3a-e8aa-4568-882a-02ad8f9e19b0" providerId="ADAL" clId="{8C0966D9-4501-4321-948E-6C0235247E46}" dt="2024-03-07T22:41:32.840" v="15" actId="338"/>
-          <ac:grpSpMkLst>
-            <pc:docMk/>
-            <pc:sldMk cId="0" sldId="275"/>
-            <ac:grpSpMk id="1" creationId="{00000000-0000-0000-0000-000000000000}"/>
-          </ac:grpSpMkLst>
-        </pc:grpChg>
-        <pc:grpChg chg="del mod">
-          <ac:chgData name="Lines, Todd" userId="afaf7c3a-e8aa-4568-882a-02ad8f9e19b0" providerId="ADAL" clId="{8C0966D9-4501-4321-948E-6C0235247E46}" dt="2024-03-07T22:42:37.516" v="29" actId="165"/>
-          <ac:grpSpMkLst>
-            <pc:docMk/>
-            <pc:sldMk cId="0" sldId="275"/>
-            <ac:grpSpMk id="5" creationId="{127DE3DC-7E2B-D00F-1112-9267C2B1F23F}"/>
-          </ac:grpSpMkLst>
-        </pc:grpChg>
-        <pc:picChg chg="add mod modCrop">
-          <ac:chgData name="Lines, Todd" userId="afaf7c3a-e8aa-4568-882a-02ad8f9e19b0" providerId="ADAL" clId="{8C0966D9-4501-4321-948E-6C0235247E46}" dt="2024-03-07T22:42:20.202" v="26" actId="1076"/>
-          <ac:picMkLst>
-            <pc:docMk/>
-            <pc:sldMk cId="0" sldId="275"/>
-            <ac:picMk id="4" creationId="{8DB16B6D-F3A9-3911-9CD3-0588E29C3328}"/>
-          </ac:picMkLst>
-        </pc:picChg>
-        <pc:picChg chg="mod topLvl">
-          <ac:chgData name="Lines, Todd" userId="afaf7c3a-e8aa-4568-882a-02ad8f9e19b0" providerId="ADAL" clId="{8C0966D9-4501-4321-948E-6C0235247E46}" dt="2024-03-07T22:42:40.957" v="30" actId="1076"/>
-          <ac:picMkLst>
-            <pc:docMk/>
-            <pc:sldMk cId="0" sldId="275"/>
-            <ac:picMk id="1029" creationId="{07E17D90-BF11-0460-D6E5-3D88C2B9EF0A}"/>
-          </ac:picMkLst>
-        </pc:picChg>
-        <pc:picChg chg="del mod">
-          <ac:chgData name="Lines, Todd" userId="afaf7c3a-e8aa-4568-882a-02ad8f9e19b0" providerId="ADAL" clId="{8C0966D9-4501-4321-948E-6C0235247E46}" dt="2024-03-07T22:41:32.840" v="15" actId="338"/>
-          <ac:picMkLst>
-            <pc:docMk/>
-            <pc:sldMk cId="0" sldId="275"/>
-            <ac:picMk id="54274" creationId="{00000000-0000-0000-0000-000000000000}"/>
-          </ac:picMkLst>
-        </pc:picChg>
       </pc:sldChg>
       <pc:sldChg chg="addSp delSp modSp new mod modAnim">
         <pc:chgData name="Lines, Todd" userId="afaf7c3a-e8aa-4568-882a-02ad8f9e19b0" providerId="ADAL" clId="{8C0966D9-4501-4321-948E-6C0235247E46}" dt="2024-03-07T22:52:17.082" v="41" actId="166"/>
@@ -232,30 +245,6 @@
           <pc:docMk/>
           <pc:sldMk cId="2787639344" sldId="1447"/>
         </pc:sldMkLst>
-        <pc:spChg chg="del">
-          <ac:chgData name="Lines, Todd" userId="afaf7c3a-e8aa-4568-882a-02ad8f9e19b0" providerId="ADAL" clId="{8C0966D9-4501-4321-948E-6C0235247E46}" dt="2024-03-07T22:51:02.846" v="34"/>
-          <ac:spMkLst>
-            <pc:docMk/>
-            <pc:sldMk cId="2787639344" sldId="1447"/>
-            <ac:spMk id="3" creationId="{189AEB21-51B8-EE80-BCDB-78265D392AEE}"/>
-          </ac:spMkLst>
-        </pc:spChg>
-        <pc:spChg chg="add mod">
-          <ac:chgData name="Lines, Todd" userId="afaf7c3a-e8aa-4568-882a-02ad8f9e19b0" providerId="ADAL" clId="{8C0966D9-4501-4321-948E-6C0235247E46}" dt="2024-03-07T22:52:07.138" v="40" actId="207"/>
-          <ac:spMkLst>
-            <pc:docMk/>
-            <pc:sldMk cId="2787639344" sldId="1447"/>
-            <ac:spMk id="5" creationId="{B6BF6D4F-E231-E230-0B0D-32E1DC485DEC}"/>
-          </ac:spMkLst>
-        </pc:spChg>
-        <pc:picChg chg="add mod ord">
-          <ac:chgData name="Lines, Todd" userId="afaf7c3a-e8aa-4568-882a-02ad8f9e19b0" providerId="ADAL" clId="{8C0966D9-4501-4321-948E-6C0235247E46}" dt="2024-03-07T22:52:17.082" v="41" actId="166"/>
-          <ac:picMkLst>
-            <pc:docMk/>
-            <pc:sldMk cId="2787639344" sldId="1447"/>
-            <ac:picMk id="4" creationId="{516B4396-976C-BD64-DC59-C97D5F32AD93}"/>
-          </ac:picMkLst>
-        </pc:picChg>
       </pc:sldChg>
     </pc:docChg>
   </pc:docChgLst>
@@ -272,78 +261,6 @@
           <pc:docMk/>
           <pc:sldMk cId="0" sldId="256"/>
         </pc:sldMkLst>
-        <pc:spChg chg="del mod">
-          <ac:chgData name="Lines, Todd" userId="afaf7c3a-e8aa-4568-882a-02ad8f9e19b0" providerId="ADAL" clId="{18C51731-65D7-4D63-A13A-C35379499D4F}" dt="2023-11-04T23:42:35.424" v="1286" actId="478"/>
-          <ac:spMkLst>
-            <pc:docMk/>
-            <pc:sldMk cId="0" sldId="256"/>
-            <ac:spMk id="2" creationId="{00000000-0000-0000-0000-000000000000}"/>
-          </ac:spMkLst>
-        </pc:spChg>
-        <pc:spChg chg="del mod">
-          <ac:chgData name="Lines, Todd" userId="afaf7c3a-e8aa-4568-882a-02ad8f9e19b0" providerId="ADAL" clId="{18C51731-65D7-4D63-A13A-C35379499D4F}" dt="2023-11-04T23:42:35.424" v="1286" actId="478"/>
-          <ac:spMkLst>
-            <pc:docMk/>
-            <pc:sldMk cId="0" sldId="256"/>
-            <ac:spMk id="3" creationId="{00000000-0000-0000-0000-000000000000}"/>
-          </ac:spMkLst>
-        </pc:spChg>
-        <pc:spChg chg="add mod">
-          <ac:chgData name="Lines, Todd" userId="afaf7c3a-e8aa-4568-882a-02ad8f9e19b0" providerId="ADAL" clId="{18C51731-65D7-4D63-A13A-C35379499D4F}" dt="2023-11-04T23:43:34.181" v="1311" actId="20577"/>
-          <ac:spMkLst>
-            <pc:docMk/>
-            <pc:sldMk cId="0" sldId="256"/>
-            <ac:spMk id="5" creationId="{9C26FA57-4DD4-AE5C-6B69-6509338D0DA8}"/>
-          </ac:spMkLst>
-        </pc:spChg>
-        <pc:spChg chg="add mod">
-          <ac:chgData name="Lines, Todd" userId="afaf7c3a-e8aa-4568-882a-02ad8f9e19b0" providerId="ADAL" clId="{18C51731-65D7-4D63-A13A-C35379499D4F}" dt="2023-11-04T23:44:04.859" v="1325" actId="1076"/>
-          <ac:spMkLst>
-            <pc:docMk/>
-            <pc:sldMk cId="0" sldId="256"/>
-            <ac:spMk id="6" creationId="{C7FCF1CA-2160-5B02-8D54-B81CF5564FF3}"/>
-          </ac:spMkLst>
-        </pc:spChg>
-        <pc:spChg chg="add mod">
-          <ac:chgData name="Lines, Todd" userId="afaf7c3a-e8aa-4568-882a-02ad8f9e19b0" providerId="ADAL" clId="{18C51731-65D7-4D63-A13A-C35379499D4F}" dt="2023-11-04T23:44:00.777" v="1324" actId="1036"/>
-          <ac:spMkLst>
-            <pc:docMk/>
-            <pc:sldMk cId="0" sldId="256"/>
-            <ac:spMk id="9" creationId="{363F7B53-862C-E48D-E863-90397855BD15}"/>
-          </ac:spMkLst>
-        </pc:spChg>
-        <pc:spChg chg="add mod">
-          <ac:chgData name="Lines, Todd" userId="afaf7c3a-e8aa-4568-882a-02ad8f9e19b0" providerId="ADAL" clId="{18C51731-65D7-4D63-A13A-C35379499D4F}" dt="2023-11-04T23:43:50.534" v="1312"/>
-          <ac:spMkLst>
-            <pc:docMk/>
-            <pc:sldMk cId="0" sldId="256"/>
-            <ac:spMk id="11" creationId="{CDB5F9BF-A851-3E08-2CA7-8D71E3524721}"/>
-          </ac:spMkLst>
-        </pc:spChg>
-        <pc:picChg chg="del mod">
-          <ac:chgData name="Lines, Todd" userId="afaf7c3a-e8aa-4568-882a-02ad8f9e19b0" providerId="ADAL" clId="{18C51731-65D7-4D63-A13A-C35379499D4F}" dt="2023-11-04T23:42:14.434" v="1282" actId="478"/>
-          <ac:picMkLst>
-            <pc:docMk/>
-            <pc:sldMk cId="0" sldId="256"/>
-            <ac:picMk id="33793" creationId="{00000000-0000-0000-0000-000000000000}"/>
-          </ac:picMkLst>
-        </pc:picChg>
-        <pc:cxnChg chg="add del mod">
-          <ac:chgData name="Lines, Todd" userId="afaf7c3a-e8aa-4568-882a-02ad8f9e19b0" providerId="ADAL" clId="{18C51731-65D7-4D63-A13A-C35379499D4F}" dt="2023-11-04T23:43:55.321" v="1313" actId="478"/>
-          <ac:cxnSpMkLst>
-            <pc:docMk/>
-            <pc:sldMk cId="0" sldId="256"/>
-            <ac:cxnSpMk id="8" creationId="{B5A14DE9-EB48-F907-0D59-3C2A2FF47B21}"/>
-          </ac:cxnSpMkLst>
-        </pc:cxnChg>
-        <pc:cxnChg chg="add mod">
-          <ac:chgData name="Lines, Todd" userId="afaf7c3a-e8aa-4568-882a-02ad8f9e19b0" providerId="ADAL" clId="{18C51731-65D7-4D63-A13A-C35379499D4F}" dt="2023-11-04T23:43:50.534" v="1312"/>
-          <ac:cxnSpMkLst>
-            <pc:docMk/>
-            <pc:sldMk cId="0" sldId="256"/>
-            <ac:cxnSpMk id="10" creationId="{E403282C-350F-4788-10DC-89034291A35C}"/>
-          </ac:cxnSpMkLst>
-        </pc:cxnChg>
       </pc:sldChg>
       <pc:sldChg chg="modSp mod">
         <pc:chgData name="Lines, Todd" userId="afaf7c3a-e8aa-4568-882a-02ad8f9e19b0" providerId="ADAL" clId="{18C51731-65D7-4D63-A13A-C35379499D4F}" dt="2023-11-04T23:00:18.634" v="522" actId="6549"/>
@@ -351,22 +268,6 @@
           <pc:docMk/>
           <pc:sldMk cId="0" sldId="272"/>
         </pc:sldMkLst>
-        <pc:spChg chg="mod">
-          <ac:chgData name="Lines, Todd" userId="afaf7c3a-e8aa-4568-882a-02ad8f9e19b0" providerId="ADAL" clId="{18C51731-65D7-4D63-A13A-C35379499D4F}" dt="2023-11-04T23:00:18.634" v="522" actId="6549"/>
-          <ac:spMkLst>
-            <pc:docMk/>
-            <pc:sldMk cId="0" sldId="272"/>
-            <ac:spMk id="355330" creationId="{00000000-0000-0000-0000-000000000000}"/>
-          </ac:spMkLst>
-        </pc:spChg>
-        <pc:spChg chg="mod">
-          <ac:chgData name="Lines, Todd" userId="afaf7c3a-e8aa-4568-882a-02ad8f9e19b0" providerId="ADAL" clId="{18C51731-65D7-4D63-A13A-C35379499D4F}" dt="2023-11-04T23:00:15.102" v="521" actId="5793"/>
-          <ac:spMkLst>
-            <pc:docMk/>
-            <pc:sldMk cId="0" sldId="272"/>
-            <ac:spMk id="355331" creationId="{00000000-0000-0000-0000-000000000000}"/>
-          </ac:spMkLst>
-        </pc:spChg>
       </pc:sldChg>
       <pc:sldChg chg="del">
         <pc:chgData name="Lines, Todd" userId="afaf7c3a-e8aa-4568-882a-02ad8f9e19b0" providerId="ADAL" clId="{18C51731-65D7-4D63-A13A-C35379499D4F}" dt="2023-11-04T20:23:33.298" v="0" actId="47"/>
@@ -402,62 +303,6 @@
           <pc:docMk/>
           <pc:sldMk cId="4156663385" sldId="281"/>
         </pc:sldMkLst>
-        <pc:spChg chg="add mod">
-          <ac:chgData name="Lines, Todd" userId="afaf7c3a-e8aa-4568-882a-02ad8f9e19b0" providerId="ADAL" clId="{18C51731-65D7-4D63-A13A-C35379499D4F}" dt="2023-11-05T00:02:35.233" v="1433" actId="20577"/>
-          <ac:spMkLst>
-            <pc:docMk/>
-            <pc:sldMk cId="4156663385" sldId="281"/>
-            <ac:spMk id="3" creationId="{ED73F11B-1564-067E-206F-FB7AAE182B16}"/>
-          </ac:spMkLst>
-        </pc:spChg>
-        <pc:spChg chg="mod">
-          <ac:chgData name="Lines, Todd" userId="afaf7c3a-e8aa-4568-882a-02ad8f9e19b0" providerId="ADAL" clId="{18C51731-65D7-4D63-A13A-C35379499D4F}" dt="2023-11-04T23:15:57.393" v="969" actId="1038"/>
-          <ac:spMkLst>
-            <pc:docMk/>
-            <pc:sldMk cId="4156663385" sldId="281"/>
-            <ac:spMk id="32" creationId="{00000000-0000-0000-0000-000000000000}"/>
-          </ac:spMkLst>
-        </pc:spChg>
-        <pc:spChg chg="mod">
-          <ac:chgData name="Lines, Todd" userId="afaf7c3a-e8aa-4568-882a-02ad8f9e19b0" providerId="ADAL" clId="{18C51731-65D7-4D63-A13A-C35379499D4F}" dt="2023-11-04T23:15:57.393" v="969" actId="1038"/>
-          <ac:spMkLst>
-            <pc:docMk/>
-            <pc:sldMk cId="4156663385" sldId="281"/>
-            <ac:spMk id="33" creationId="{00000000-0000-0000-0000-000000000000}"/>
-          </ac:spMkLst>
-        </pc:spChg>
-        <pc:spChg chg="mod">
-          <ac:chgData name="Lines, Todd" userId="afaf7c3a-e8aa-4568-882a-02ad8f9e19b0" providerId="ADAL" clId="{18C51731-65D7-4D63-A13A-C35379499D4F}" dt="2023-11-04T23:15:57.393" v="969" actId="1038"/>
-          <ac:spMkLst>
-            <pc:docMk/>
-            <pc:sldMk cId="4156663385" sldId="281"/>
-            <ac:spMk id="34" creationId="{00000000-0000-0000-0000-000000000000}"/>
-          </ac:spMkLst>
-        </pc:spChg>
-        <pc:grpChg chg="mod">
-          <ac:chgData name="Lines, Todd" userId="afaf7c3a-e8aa-4568-882a-02ad8f9e19b0" providerId="ADAL" clId="{18C51731-65D7-4D63-A13A-C35379499D4F}" dt="2023-11-04T23:15:57.393" v="969" actId="1038"/>
-          <ac:grpSpMkLst>
-            <pc:docMk/>
-            <pc:sldMk cId="4156663385" sldId="281"/>
-            <ac:grpSpMk id="27" creationId="{00000000-0000-0000-0000-000000000000}"/>
-          </ac:grpSpMkLst>
-        </pc:grpChg>
-        <pc:cxnChg chg="mod">
-          <ac:chgData name="Lines, Todd" userId="afaf7c3a-e8aa-4568-882a-02ad8f9e19b0" providerId="ADAL" clId="{18C51731-65D7-4D63-A13A-C35379499D4F}" dt="2023-11-04T23:15:57.393" v="969" actId="1038"/>
-          <ac:cxnSpMkLst>
-            <pc:docMk/>
-            <pc:sldMk cId="4156663385" sldId="281"/>
-            <ac:cxnSpMk id="19" creationId="{00000000-0000-0000-0000-000000000000}"/>
-          </ac:cxnSpMkLst>
-        </pc:cxnChg>
-        <pc:cxnChg chg="mod">
-          <ac:chgData name="Lines, Todd" userId="afaf7c3a-e8aa-4568-882a-02ad8f9e19b0" providerId="ADAL" clId="{18C51731-65D7-4D63-A13A-C35379499D4F}" dt="2023-11-04T23:15:57.393" v="969" actId="1038"/>
-          <ac:cxnSpMkLst>
-            <pc:docMk/>
-            <pc:sldMk cId="4156663385" sldId="281"/>
-            <ac:cxnSpMk id="22" creationId="{00000000-0000-0000-0000-000000000000}"/>
-          </ac:cxnSpMkLst>
-        </pc:cxnChg>
       </pc:sldChg>
       <pc:sldChg chg="add del ord">
         <pc:chgData name="Lines, Todd" userId="afaf7c3a-e8aa-4568-882a-02ad8f9e19b0" providerId="ADAL" clId="{18C51731-65D7-4D63-A13A-C35379499D4F}" dt="2023-11-04T23:14:13.944" v="837" actId="47"/>
@@ -472,30 +317,6 @@
           <pc:docMk/>
           <pc:sldMk cId="0" sldId="1315"/>
         </pc:sldMkLst>
-        <pc:spChg chg="add mod">
-          <ac:chgData name="Lines, Todd" userId="afaf7c3a-e8aa-4568-882a-02ad8f9e19b0" providerId="ADAL" clId="{18C51731-65D7-4D63-A13A-C35379499D4F}" dt="2023-11-04T23:11:21.749" v="832" actId="403"/>
-          <ac:spMkLst>
-            <pc:docMk/>
-            <pc:sldMk cId="0" sldId="1315"/>
-            <ac:spMk id="5" creationId="{1CAD6B58-7A83-B5E3-AD18-656697D7D93F}"/>
-          </ac:spMkLst>
-        </pc:spChg>
-        <pc:graphicFrameChg chg="add del mod replId">
-          <ac:chgData name="Lines, Todd" userId="afaf7c3a-e8aa-4568-882a-02ad8f9e19b0" providerId="ADAL" clId="{18C51731-65D7-4D63-A13A-C35379499D4F}" dt="2023-11-04T23:11:08.033" v="829"/>
-          <ac:graphicFrameMkLst>
-            <pc:docMk/>
-            <pc:sldMk cId="0" sldId="1315"/>
-            <ac:graphicFrameMk id="6" creationId="{1CAD6B58-7A83-B5E3-AD18-656697D7D93F}"/>
-          </ac:graphicFrameMkLst>
-        </pc:graphicFrameChg>
-        <pc:graphicFrameChg chg="del">
-          <ac:chgData name="Lines, Todd" userId="afaf7c3a-e8aa-4568-882a-02ad8f9e19b0" providerId="ADAL" clId="{18C51731-65D7-4D63-A13A-C35379499D4F}" dt="2023-11-04T23:10:58.098" v="826" actId="478"/>
-          <ac:graphicFrameMkLst>
-            <pc:docMk/>
-            <pc:sldMk cId="0" sldId="1315"/>
-            <ac:graphicFrameMk id="4507649" creationId="{00000000-0000-0000-0000-000000000000}"/>
-          </ac:graphicFrameMkLst>
-        </pc:graphicFrameChg>
       </pc:sldChg>
       <pc:sldChg chg="modSp add mod">
         <pc:chgData name="Lines, Todd" userId="afaf7c3a-e8aa-4568-882a-02ad8f9e19b0" providerId="ADAL" clId="{18C51731-65D7-4D63-A13A-C35379499D4F}" dt="2023-11-06T17:13:03.033" v="1452" actId="20577"/>
@@ -503,14 +324,6 @@
           <pc:docMk/>
           <pc:sldMk cId="0" sldId="1316"/>
         </pc:sldMkLst>
-        <pc:spChg chg="mod">
-          <ac:chgData name="Lines, Todd" userId="afaf7c3a-e8aa-4568-882a-02ad8f9e19b0" providerId="ADAL" clId="{18C51731-65D7-4D63-A13A-C35379499D4F}" dt="2023-11-06T17:13:03.033" v="1452" actId="20577"/>
-          <ac:spMkLst>
-            <pc:docMk/>
-            <pc:sldMk cId="0" sldId="1316"/>
-            <ac:spMk id="3" creationId="{00000000-0000-0000-0000-000000000000}"/>
-          </ac:spMkLst>
-        </pc:spChg>
       </pc:sldChg>
       <pc:sldChg chg="modSp add mod">
         <pc:chgData name="Lines, Todd" userId="afaf7c3a-e8aa-4568-882a-02ad8f9e19b0" providerId="ADAL" clId="{18C51731-65D7-4D63-A13A-C35379499D4F}" dt="2023-11-04T22:34:48.936" v="71" actId="20577"/>
@@ -518,14 +331,6 @@
           <pc:docMk/>
           <pc:sldMk cId="1895203931" sldId="1434"/>
         </pc:sldMkLst>
-        <pc:spChg chg="mod">
-          <ac:chgData name="Lines, Todd" userId="afaf7c3a-e8aa-4568-882a-02ad8f9e19b0" providerId="ADAL" clId="{18C51731-65D7-4D63-A13A-C35379499D4F}" dt="2023-11-04T22:34:48.936" v="71" actId="20577"/>
-          <ac:spMkLst>
-            <pc:docMk/>
-            <pc:sldMk cId="1895203931" sldId="1434"/>
-            <ac:spMk id="3" creationId="{00000000-0000-0000-0000-000000000000}"/>
-          </ac:spMkLst>
-        </pc:spChg>
       </pc:sldChg>
       <pc:sldChg chg="modSp add mod">
         <pc:chgData name="Lines, Todd" userId="afaf7c3a-e8aa-4568-882a-02ad8f9e19b0" providerId="ADAL" clId="{18C51731-65D7-4D63-A13A-C35379499D4F}" dt="2023-11-04T22:34:01.900" v="54" actId="20577"/>
@@ -533,14 +338,6 @@
           <pc:docMk/>
           <pc:sldMk cId="1046952072" sldId="1435"/>
         </pc:sldMkLst>
-        <pc:spChg chg="mod">
-          <ac:chgData name="Lines, Todd" userId="afaf7c3a-e8aa-4568-882a-02ad8f9e19b0" providerId="ADAL" clId="{18C51731-65D7-4D63-A13A-C35379499D4F}" dt="2023-11-04T22:34:01.900" v="54" actId="20577"/>
-          <ac:spMkLst>
-            <pc:docMk/>
-            <pc:sldMk cId="1046952072" sldId="1435"/>
-            <ac:spMk id="3" creationId="{00000000-0000-0000-0000-000000000000}"/>
-          </ac:spMkLst>
-        </pc:spChg>
       </pc:sldChg>
       <pc:sldChg chg="addSp delSp modSp new del mod modClrScheme chgLayout">
         <pc:chgData name="Lines, Todd" userId="afaf7c3a-e8aa-4568-882a-02ad8f9e19b0" providerId="ADAL" clId="{18C51731-65D7-4D63-A13A-C35379499D4F}" dt="2023-11-04T22:52:39.616" v="210" actId="47"/>
@@ -548,1614 +345,6 @@
           <pc:docMk/>
           <pc:sldMk cId="3694168926" sldId="1436"/>
         </pc:sldMkLst>
-        <pc:spChg chg="mod topLvl">
-          <ac:chgData name="Lines, Todd" userId="afaf7c3a-e8aa-4568-882a-02ad8f9e19b0" providerId="ADAL" clId="{18C51731-65D7-4D63-A13A-C35379499D4F}" dt="2023-11-04T22:49:53.996" v="97" actId="1076"/>
-          <ac:spMkLst>
-            <pc:docMk/>
-            <pc:sldMk cId="3694168926" sldId="1436"/>
-            <ac:spMk id="3" creationId="{339DA9B6-CE44-EA29-F52C-E0DCA2D2E3CA}"/>
-          </ac:spMkLst>
-        </pc:spChg>
-        <pc:spChg chg="mod topLvl">
-          <ac:chgData name="Lines, Todd" userId="afaf7c3a-e8aa-4568-882a-02ad8f9e19b0" providerId="ADAL" clId="{18C51731-65D7-4D63-A13A-C35379499D4F}" dt="2023-11-04T22:49:53.996" v="97" actId="1076"/>
-          <ac:spMkLst>
-            <pc:docMk/>
-            <pc:sldMk cId="3694168926" sldId="1436"/>
-            <ac:spMk id="4" creationId="{D663231A-4E69-6FAA-2815-95E5708FFFD6}"/>
-          </ac:spMkLst>
-        </pc:spChg>
-        <pc:spChg chg="mod topLvl">
-          <ac:chgData name="Lines, Todd" userId="afaf7c3a-e8aa-4568-882a-02ad8f9e19b0" providerId="ADAL" clId="{18C51731-65D7-4D63-A13A-C35379499D4F}" dt="2023-11-04T22:49:53.996" v="97" actId="1076"/>
-          <ac:spMkLst>
-            <pc:docMk/>
-            <pc:sldMk cId="3694168926" sldId="1436"/>
-            <ac:spMk id="5" creationId="{5DDCBFEA-70E7-C31E-7BE2-0B2044CA8A7D}"/>
-          </ac:spMkLst>
-        </pc:spChg>
-        <pc:spChg chg="del mod topLvl">
-          <ac:chgData name="Lines, Todd" userId="afaf7c3a-e8aa-4568-882a-02ad8f9e19b0" providerId="ADAL" clId="{18C51731-65D7-4D63-A13A-C35379499D4F}" dt="2023-11-04T22:49:03.522" v="87" actId="478"/>
-          <ac:spMkLst>
-            <pc:docMk/>
-            <pc:sldMk cId="3694168926" sldId="1436"/>
-            <ac:spMk id="6" creationId="{C0534482-ADD0-F3C4-35BB-FF110A14A6E6}"/>
-          </ac:spMkLst>
-        </pc:spChg>
-        <pc:spChg chg="del mod topLvl">
-          <ac:chgData name="Lines, Todd" userId="afaf7c3a-e8aa-4568-882a-02ad8f9e19b0" providerId="ADAL" clId="{18C51731-65D7-4D63-A13A-C35379499D4F}" dt="2023-11-04T22:49:36.369" v="93" actId="478"/>
-          <ac:spMkLst>
-            <pc:docMk/>
-            <pc:sldMk cId="3694168926" sldId="1436"/>
-            <ac:spMk id="7" creationId="{B4C3EC1E-CFED-D599-B457-F9CF2FAEB1C1}"/>
-          </ac:spMkLst>
-        </pc:spChg>
-        <pc:spChg chg="del mod topLvl">
-          <ac:chgData name="Lines, Todd" userId="afaf7c3a-e8aa-4568-882a-02ad8f9e19b0" providerId="ADAL" clId="{18C51731-65D7-4D63-A13A-C35379499D4F}" dt="2023-11-04T22:49:36.369" v="93" actId="478"/>
-          <ac:spMkLst>
-            <pc:docMk/>
-            <pc:sldMk cId="3694168926" sldId="1436"/>
-            <ac:spMk id="8" creationId="{DF810353-08D2-3AEE-D2F7-886EC48B3D67}"/>
-          </ac:spMkLst>
-        </pc:spChg>
-        <pc:spChg chg="del mod topLvl">
-          <ac:chgData name="Lines, Todd" userId="afaf7c3a-e8aa-4568-882a-02ad8f9e19b0" providerId="ADAL" clId="{18C51731-65D7-4D63-A13A-C35379499D4F}" dt="2023-11-04T22:49:00.798" v="86" actId="478"/>
-          <ac:spMkLst>
-            <pc:docMk/>
-            <pc:sldMk cId="3694168926" sldId="1436"/>
-            <ac:spMk id="9" creationId="{88185328-4DA3-D0D3-75CB-C5279C132ABF}"/>
-          </ac:spMkLst>
-        </pc:spChg>
-        <pc:spChg chg="del mod topLvl">
-          <ac:chgData name="Lines, Todd" userId="afaf7c3a-e8aa-4568-882a-02ad8f9e19b0" providerId="ADAL" clId="{18C51731-65D7-4D63-A13A-C35379499D4F}" dt="2023-11-04T22:49:00.798" v="86" actId="478"/>
-          <ac:spMkLst>
-            <pc:docMk/>
-            <pc:sldMk cId="3694168926" sldId="1436"/>
-            <ac:spMk id="10" creationId="{967DB302-B311-862A-133D-28CA6E753FC8}"/>
-          </ac:spMkLst>
-        </pc:spChg>
-        <pc:spChg chg="del mod topLvl">
-          <ac:chgData name="Lines, Todd" userId="afaf7c3a-e8aa-4568-882a-02ad8f9e19b0" providerId="ADAL" clId="{18C51731-65D7-4D63-A13A-C35379499D4F}" dt="2023-11-04T22:49:00.798" v="86" actId="478"/>
-          <ac:spMkLst>
-            <pc:docMk/>
-            <pc:sldMk cId="3694168926" sldId="1436"/>
-            <ac:spMk id="11" creationId="{14689840-84CC-4DF2-C882-5C12278CB014}"/>
-          </ac:spMkLst>
-        </pc:spChg>
-        <pc:spChg chg="del mod topLvl">
-          <ac:chgData name="Lines, Todd" userId="afaf7c3a-e8aa-4568-882a-02ad8f9e19b0" providerId="ADAL" clId="{18C51731-65D7-4D63-A13A-C35379499D4F}" dt="2023-11-04T22:49:00.798" v="86" actId="478"/>
-          <ac:spMkLst>
-            <pc:docMk/>
-            <pc:sldMk cId="3694168926" sldId="1436"/>
-            <ac:spMk id="12" creationId="{DB322578-5FA9-691B-F142-907943C7830B}"/>
-          </ac:spMkLst>
-        </pc:spChg>
-        <pc:spChg chg="del mod topLvl">
-          <ac:chgData name="Lines, Todd" userId="afaf7c3a-e8aa-4568-882a-02ad8f9e19b0" providerId="ADAL" clId="{18C51731-65D7-4D63-A13A-C35379499D4F}" dt="2023-11-04T22:49:00.798" v="86" actId="478"/>
-          <ac:spMkLst>
-            <pc:docMk/>
-            <pc:sldMk cId="3694168926" sldId="1436"/>
-            <ac:spMk id="13" creationId="{1FB8EDB4-CCE0-8B1B-EF77-540577FA2244}"/>
-          </ac:spMkLst>
-        </pc:spChg>
-        <pc:spChg chg="del mod topLvl">
-          <ac:chgData name="Lines, Todd" userId="afaf7c3a-e8aa-4568-882a-02ad8f9e19b0" providerId="ADAL" clId="{18C51731-65D7-4D63-A13A-C35379499D4F}" dt="2023-11-04T22:48:57.910" v="85" actId="478"/>
-          <ac:spMkLst>
-            <pc:docMk/>
-            <pc:sldMk cId="3694168926" sldId="1436"/>
-            <ac:spMk id="14" creationId="{E8288709-A97C-0819-0281-1386C37B984F}"/>
-          </ac:spMkLst>
-        </pc:spChg>
-        <pc:spChg chg="del mod topLvl">
-          <ac:chgData name="Lines, Todd" userId="afaf7c3a-e8aa-4568-882a-02ad8f9e19b0" providerId="ADAL" clId="{18C51731-65D7-4D63-A13A-C35379499D4F}" dt="2023-11-04T22:48:57.910" v="85" actId="478"/>
-          <ac:spMkLst>
-            <pc:docMk/>
-            <pc:sldMk cId="3694168926" sldId="1436"/>
-            <ac:spMk id="15" creationId="{DC02BC43-4161-78F3-76E4-8ABA4A255E36}"/>
-          </ac:spMkLst>
-        </pc:spChg>
-        <pc:spChg chg="del mod topLvl">
-          <ac:chgData name="Lines, Todd" userId="afaf7c3a-e8aa-4568-882a-02ad8f9e19b0" providerId="ADAL" clId="{18C51731-65D7-4D63-A13A-C35379499D4F}" dt="2023-11-04T22:48:57.910" v="85" actId="478"/>
-          <ac:spMkLst>
-            <pc:docMk/>
-            <pc:sldMk cId="3694168926" sldId="1436"/>
-            <ac:spMk id="16" creationId="{B9A5DA45-D0D4-679D-FDA8-9D719EAFEB2F}"/>
-          </ac:spMkLst>
-        </pc:spChg>
-        <pc:spChg chg="del mod topLvl">
-          <ac:chgData name="Lines, Todd" userId="afaf7c3a-e8aa-4568-882a-02ad8f9e19b0" providerId="ADAL" clId="{18C51731-65D7-4D63-A13A-C35379499D4F}" dt="2023-11-04T22:48:57.910" v="85" actId="478"/>
-          <ac:spMkLst>
-            <pc:docMk/>
-            <pc:sldMk cId="3694168926" sldId="1436"/>
-            <ac:spMk id="17" creationId="{03D1C4EF-33D5-7780-808C-3D40403024EB}"/>
-          </ac:spMkLst>
-        </pc:spChg>
-        <pc:spChg chg="del mod topLvl">
-          <ac:chgData name="Lines, Todd" userId="afaf7c3a-e8aa-4568-882a-02ad8f9e19b0" providerId="ADAL" clId="{18C51731-65D7-4D63-A13A-C35379499D4F}" dt="2023-11-04T22:48:57.910" v="85" actId="478"/>
-          <ac:spMkLst>
-            <pc:docMk/>
-            <pc:sldMk cId="3694168926" sldId="1436"/>
-            <ac:spMk id="18" creationId="{D83345F0-908C-B58E-4D92-A6C5E4AD0EE0}"/>
-          </ac:spMkLst>
-        </pc:spChg>
-        <pc:spChg chg="del mod topLvl">
-          <ac:chgData name="Lines, Todd" userId="afaf7c3a-e8aa-4568-882a-02ad8f9e19b0" providerId="ADAL" clId="{18C51731-65D7-4D63-A13A-C35379499D4F}" dt="2023-11-04T22:48:57.910" v="85" actId="478"/>
-          <ac:spMkLst>
-            <pc:docMk/>
-            <pc:sldMk cId="3694168926" sldId="1436"/>
-            <ac:spMk id="19" creationId="{F80C14B5-0987-FC7C-1748-BB7593BFFE87}"/>
-          </ac:spMkLst>
-        </pc:spChg>
-        <pc:spChg chg="del mod topLvl">
-          <ac:chgData name="Lines, Todd" userId="afaf7c3a-e8aa-4568-882a-02ad8f9e19b0" providerId="ADAL" clId="{18C51731-65D7-4D63-A13A-C35379499D4F}" dt="2023-11-04T22:48:57.910" v="85" actId="478"/>
-          <ac:spMkLst>
-            <pc:docMk/>
-            <pc:sldMk cId="3694168926" sldId="1436"/>
-            <ac:spMk id="20" creationId="{486BB121-19CC-860D-C81F-1BDE77AEAFF5}"/>
-          </ac:spMkLst>
-        </pc:spChg>
-        <pc:spChg chg="del mod topLvl">
-          <ac:chgData name="Lines, Todd" userId="afaf7c3a-e8aa-4568-882a-02ad8f9e19b0" providerId="ADAL" clId="{18C51731-65D7-4D63-A13A-C35379499D4F}" dt="2023-11-04T22:49:10.604" v="89" actId="478"/>
-          <ac:spMkLst>
-            <pc:docMk/>
-            <pc:sldMk cId="3694168926" sldId="1436"/>
-            <ac:spMk id="21" creationId="{D9E210EE-DD28-3395-23DD-9CAD1947E15C}"/>
-          </ac:spMkLst>
-        </pc:spChg>
-        <pc:spChg chg="del mod topLvl">
-          <ac:chgData name="Lines, Todd" userId="afaf7c3a-e8aa-4568-882a-02ad8f9e19b0" providerId="ADAL" clId="{18C51731-65D7-4D63-A13A-C35379499D4F}" dt="2023-11-04T22:49:10.604" v="89" actId="478"/>
-          <ac:spMkLst>
-            <pc:docMk/>
-            <pc:sldMk cId="3694168926" sldId="1436"/>
-            <ac:spMk id="22" creationId="{7A587373-0511-C8BA-A565-5C9A265914CE}"/>
-          </ac:spMkLst>
-        </pc:spChg>
-        <pc:spChg chg="del mod topLvl">
-          <ac:chgData name="Lines, Todd" userId="afaf7c3a-e8aa-4568-882a-02ad8f9e19b0" providerId="ADAL" clId="{18C51731-65D7-4D63-A13A-C35379499D4F}" dt="2023-11-04T22:49:10.604" v="89" actId="478"/>
-          <ac:spMkLst>
-            <pc:docMk/>
-            <pc:sldMk cId="3694168926" sldId="1436"/>
-            <ac:spMk id="23" creationId="{E0CF3824-44D9-B433-2A81-8DFBBBD521E4}"/>
-          </ac:spMkLst>
-        </pc:spChg>
-        <pc:spChg chg="del mod topLvl">
-          <ac:chgData name="Lines, Todd" userId="afaf7c3a-e8aa-4568-882a-02ad8f9e19b0" providerId="ADAL" clId="{18C51731-65D7-4D63-A13A-C35379499D4F}" dt="2023-11-04T22:49:36.369" v="93" actId="478"/>
-          <ac:spMkLst>
-            <pc:docMk/>
-            <pc:sldMk cId="3694168926" sldId="1436"/>
-            <ac:spMk id="24" creationId="{C61BB429-13F7-E0FC-6E00-D4E56ED6B4D4}"/>
-          </ac:spMkLst>
-        </pc:spChg>
-        <pc:spChg chg="del mod topLvl">
-          <ac:chgData name="Lines, Todd" userId="afaf7c3a-e8aa-4568-882a-02ad8f9e19b0" providerId="ADAL" clId="{18C51731-65D7-4D63-A13A-C35379499D4F}" dt="2023-11-04T22:49:10.604" v="89" actId="478"/>
-          <ac:spMkLst>
-            <pc:docMk/>
-            <pc:sldMk cId="3694168926" sldId="1436"/>
-            <ac:spMk id="25" creationId="{F08C0AF5-781E-EE7F-55F9-30312549C2D6}"/>
-          </ac:spMkLst>
-        </pc:spChg>
-        <pc:spChg chg="del mod topLvl">
-          <ac:chgData name="Lines, Todd" userId="afaf7c3a-e8aa-4568-882a-02ad8f9e19b0" providerId="ADAL" clId="{18C51731-65D7-4D63-A13A-C35379499D4F}" dt="2023-11-04T22:49:10.604" v="89" actId="478"/>
-          <ac:spMkLst>
-            <pc:docMk/>
-            <pc:sldMk cId="3694168926" sldId="1436"/>
-            <ac:spMk id="26" creationId="{BB8C55FC-2A7B-8E5B-55D9-85DAB87B8098}"/>
-          </ac:spMkLst>
-        </pc:spChg>
-        <pc:spChg chg="del mod topLvl">
-          <ac:chgData name="Lines, Todd" userId="afaf7c3a-e8aa-4568-882a-02ad8f9e19b0" providerId="ADAL" clId="{18C51731-65D7-4D63-A13A-C35379499D4F}" dt="2023-11-04T22:49:10.604" v="89" actId="478"/>
-          <ac:spMkLst>
-            <pc:docMk/>
-            <pc:sldMk cId="3694168926" sldId="1436"/>
-            <ac:spMk id="27" creationId="{D094B2DF-DE31-7365-9826-D6206F8E7457}"/>
-          </ac:spMkLst>
-        </pc:spChg>
-        <pc:spChg chg="del mod topLvl">
-          <ac:chgData name="Lines, Todd" userId="afaf7c3a-e8aa-4568-882a-02ad8f9e19b0" providerId="ADAL" clId="{18C51731-65D7-4D63-A13A-C35379499D4F}" dt="2023-11-04T22:49:40.519" v="94" actId="478"/>
-          <ac:spMkLst>
-            <pc:docMk/>
-            <pc:sldMk cId="3694168926" sldId="1436"/>
-            <ac:spMk id="28" creationId="{0EC8B04A-6487-F897-AE6C-64F7B6CEFDFC}"/>
-          </ac:spMkLst>
-        </pc:spChg>
-        <pc:spChg chg="del mod topLvl">
-          <ac:chgData name="Lines, Todd" userId="afaf7c3a-e8aa-4568-882a-02ad8f9e19b0" providerId="ADAL" clId="{18C51731-65D7-4D63-A13A-C35379499D4F}" dt="2023-11-04T22:49:18.147" v="91" actId="478"/>
-          <ac:spMkLst>
-            <pc:docMk/>
-            <pc:sldMk cId="3694168926" sldId="1436"/>
-            <ac:spMk id="29" creationId="{BC9D26FB-D957-4DD2-4F9F-298C8E426D5A}"/>
-          </ac:spMkLst>
-        </pc:spChg>
-        <pc:spChg chg="del mod topLvl">
-          <ac:chgData name="Lines, Todd" userId="afaf7c3a-e8aa-4568-882a-02ad8f9e19b0" providerId="ADAL" clId="{18C51731-65D7-4D63-A13A-C35379499D4F}" dt="2023-11-04T22:49:40.519" v="94" actId="478"/>
-          <ac:spMkLst>
-            <pc:docMk/>
-            <pc:sldMk cId="3694168926" sldId="1436"/>
-            <ac:spMk id="30" creationId="{18BD64B5-7188-E4A3-6F9D-C58D032F6A26}"/>
-          </ac:spMkLst>
-        </pc:spChg>
-        <pc:spChg chg="del mod topLvl">
-          <ac:chgData name="Lines, Todd" userId="afaf7c3a-e8aa-4568-882a-02ad8f9e19b0" providerId="ADAL" clId="{18C51731-65D7-4D63-A13A-C35379499D4F}" dt="2023-11-04T22:49:22.467" v="92" actId="478"/>
-          <ac:spMkLst>
-            <pc:docMk/>
-            <pc:sldMk cId="3694168926" sldId="1436"/>
-            <ac:spMk id="31" creationId="{AF516E5C-B06F-0FC3-BCDF-64FED518CA15}"/>
-          </ac:spMkLst>
-        </pc:spChg>
-        <pc:spChg chg="del mod topLvl">
-          <ac:chgData name="Lines, Todd" userId="afaf7c3a-e8aa-4568-882a-02ad8f9e19b0" providerId="ADAL" clId="{18C51731-65D7-4D63-A13A-C35379499D4F}" dt="2023-11-04T22:49:13.985" v="90" actId="478"/>
-          <ac:spMkLst>
-            <pc:docMk/>
-            <pc:sldMk cId="3694168926" sldId="1436"/>
-            <ac:spMk id="32" creationId="{5137FAC6-DACF-2F92-6B06-741E8A9C724B}"/>
-          </ac:spMkLst>
-        </pc:spChg>
-        <pc:spChg chg="del mod topLvl">
-          <ac:chgData name="Lines, Todd" userId="afaf7c3a-e8aa-4568-882a-02ad8f9e19b0" providerId="ADAL" clId="{18C51731-65D7-4D63-A13A-C35379499D4F}" dt="2023-11-04T22:49:03.522" v="87" actId="478"/>
-          <ac:spMkLst>
-            <pc:docMk/>
-            <pc:sldMk cId="3694168926" sldId="1436"/>
-            <ac:spMk id="33" creationId="{462C1A52-F473-24AD-C446-86F5BCD3569E}"/>
-          </ac:spMkLst>
-        </pc:spChg>
-        <pc:spChg chg="del mod topLvl">
-          <ac:chgData name="Lines, Todd" userId="afaf7c3a-e8aa-4568-882a-02ad8f9e19b0" providerId="ADAL" clId="{18C51731-65D7-4D63-A13A-C35379499D4F}" dt="2023-11-04T22:49:03.522" v="87" actId="478"/>
-          <ac:spMkLst>
-            <pc:docMk/>
-            <pc:sldMk cId="3694168926" sldId="1436"/>
-            <ac:spMk id="34" creationId="{8F6BEDEF-8A00-FDC7-8362-B7ECA545166B}"/>
-          </ac:spMkLst>
-        </pc:spChg>
-        <pc:spChg chg="del mod topLvl">
-          <ac:chgData name="Lines, Todd" userId="afaf7c3a-e8aa-4568-882a-02ad8f9e19b0" providerId="ADAL" clId="{18C51731-65D7-4D63-A13A-C35379499D4F}" dt="2023-11-04T22:49:05.985" v="88" actId="478"/>
-          <ac:spMkLst>
-            <pc:docMk/>
-            <pc:sldMk cId="3694168926" sldId="1436"/>
-            <ac:spMk id="35" creationId="{21A8E1B7-BA08-12F1-C0EB-FC686B49757E}"/>
-          </ac:spMkLst>
-        </pc:spChg>
-        <pc:spChg chg="del mod topLvl">
-          <ac:chgData name="Lines, Todd" userId="afaf7c3a-e8aa-4568-882a-02ad8f9e19b0" providerId="ADAL" clId="{18C51731-65D7-4D63-A13A-C35379499D4F}" dt="2023-11-04T22:49:03.522" v="87" actId="478"/>
-          <ac:spMkLst>
-            <pc:docMk/>
-            <pc:sldMk cId="3694168926" sldId="1436"/>
-            <ac:spMk id="36" creationId="{F28E4B7B-1232-74EB-F186-41A0931575C8}"/>
-          </ac:spMkLst>
-        </pc:spChg>
-        <pc:spChg chg="del mod topLvl">
-          <ac:chgData name="Lines, Todd" userId="afaf7c3a-e8aa-4568-882a-02ad8f9e19b0" providerId="ADAL" clId="{18C51731-65D7-4D63-A13A-C35379499D4F}" dt="2023-11-04T22:49:10.604" v="89" actId="478"/>
-          <ac:spMkLst>
-            <pc:docMk/>
-            <pc:sldMk cId="3694168926" sldId="1436"/>
-            <ac:spMk id="37" creationId="{87BDDC72-FC8D-D694-303C-ED6126AB151D}"/>
-          </ac:spMkLst>
-        </pc:spChg>
-        <pc:spChg chg="del mod topLvl">
-          <ac:chgData name="Lines, Todd" userId="afaf7c3a-e8aa-4568-882a-02ad8f9e19b0" providerId="ADAL" clId="{18C51731-65D7-4D63-A13A-C35379499D4F}" dt="2023-11-04T22:48:57.910" v="85" actId="478"/>
-          <ac:spMkLst>
-            <pc:docMk/>
-            <pc:sldMk cId="3694168926" sldId="1436"/>
-            <ac:spMk id="38" creationId="{C91709E1-7A24-4F95-E69F-7AAEC518BD9C}"/>
-          </ac:spMkLst>
-        </pc:spChg>
-        <pc:spChg chg="del mod topLvl">
-          <ac:chgData name="Lines, Todd" userId="afaf7c3a-e8aa-4568-882a-02ad8f9e19b0" providerId="ADAL" clId="{18C51731-65D7-4D63-A13A-C35379499D4F}" dt="2023-11-04T22:48:57.910" v="85" actId="478"/>
-          <ac:spMkLst>
-            <pc:docMk/>
-            <pc:sldMk cId="3694168926" sldId="1436"/>
-            <ac:spMk id="39" creationId="{908CC188-03BA-1D73-ED67-FA1E67AC86BD}"/>
-          </ac:spMkLst>
-        </pc:spChg>
-        <pc:spChg chg="del mod topLvl">
-          <ac:chgData name="Lines, Todd" userId="afaf7c3a-e8aa-4568-882a-02ad8f9e19b0" providerId="ADAL" clId="{18C51731-65D7-4D63-A13A-C35379499D4F}" dt="2023-11-04T22:49:10.604" v="89" actId="478"/>
-          <ac:spMkLst>
-            <pc:docMk/>
-            <pc:sldMk cId="3694168926" sldId="1436"/>
-            <ac:spMk id="40" creationId="{4C40E47C-1E0B-1A81-D735-438630387D98}"/>
-          </ac:spMkLst>
-        </pc:spChg>
-        <pc:spChg chg="del mod topLvl">
-          <ac:chgData name="Lines, Todd" userId="afaf7c3a-e8aa-4568-882a-02ad8f9e19b0" providerId="ADAL" clId="{18C51731-65D7-4D63-A13A-C35379499D4F}" dt="2023-11-04T22:49:00.798" v="86" actId="478"/>
-          <ac:spMkLst>
-            <pc:docMk/>
-            <pc:sldMk cId="3694168926" sldId="1436"/>
-            <ac:spMk id="41" creationId="{E8CB553D-2BCC-8148-511C-C5E2396FBCDC}"/>
-          </ac:spMkLst>
-        </pc:spChg>
-        <pc:spChg chg="del mod topLvl">
-          <ac:chgData name="Lines, Todd" userId="afaf7c3a-e8aa-4568-882a-02ad8f9e19b0" providerId="ADAL" clId="{18C51731-65D7-4D63-A13A-C35379499D4F}" dt="2023-11-04T22:49:00.798" v="86" actId="478"/>
-          <ac:spMkLst>
-            <pc:docMk/>
-            <pc:sldMk cId="3694168926" sldId="1436"/>
-            <ac:spMk id="42" creationId="{C63991FB-06DE-E0D9-3D65-7AC4D1C6671A}"/>
-          </ac:spMkLst>
-        </pc:spChg>
-        <pc:spChg chg="del mod topLvl">
-          <ac:chgData name="Lines, Todd" userId="afaf7c3a-e8aa-4568-882a-02ad8f9e19b0" providerId="ADAL" clId="{18C51731-65D7-4D63-A13A-C35379499D4F}" dt="2023-11-04T22:48:47.465" v="83" actId="478"/>
-          <ac:spMkLst>
-            <pc:docMk/>
-            <pc:sldMk cId="3694168926" sldId="1436"/>
-            <ac:spMk id="95" creationId="{10E96D53-4A32-8FBC-9C23-2F6D371A13A0}"/>
-          </ac:spMkLst>
-        </pc:spChg>
-        <pc:spChg chg="del mod topLvl">
-          <ac:chgData name="Lines, Todd" userId="afaf7c3a-e8aa-4568-882a-02ad8f9e19b0" providerId="ADAL" clId="{18C51731-65D7-4D63-A13A-C35379499D4F}" dt="2023-11-04T22:48:55.331" v="84" actId="478"/>
-          <ac:spMkLst>
-            <pc:docMk/>
-            <pc:sldMk cId="3694168926" sldId="1436"/>
-            <ac:spMk id="96" creationId="{62F34CEC-655E-723F-1D72-FF0F9E7A98E7}"/>
-          </ac:spMkLst>
-        </pc:spChg>
-        <pc:spChg chg="mod">
-          <ac:chgData name="Lines, Todd" userId="afaf7c3a-e8aa-4568-882a-02ad8f9e19b0" providerId="ADAL" clId="{18C51731-65D7-4D63-A13A-C35379499D4F}" dt="2023-11-04T22:47:49.125" v="75" actId="165"/>
-          <ac:spMkLst>
-            <pc:docMk/>
-            <pc:sldMk cId="3694168926" sldId="1436"/>
-            <ac:spMk id="97" creationId="{FF5BCF37-6C62-C4DE-0CE8-C420FA74DADA}"/>
-          </ac:spMkLst>
-        </pc:spChg>
-        <pc:spChg chg="mod">
-          <ac:chgData name="Lines, Todd" userId="afaf7c3a-e8aa-4568-882a-02ad8f9e19b0" providerId="ADAL" clId="{18C51731-65D7-4D63-A13A-C35379499D4F}" dt="2023-11-04T22:47:49.125" v="75" actId="165"/>
-          <ac:spMkLst>
-            <pc:docMk/>
-            <pc:sldMk cId="3694168926" sldId="1436"/>
-            <ac:spMk id="98" creationId="{3DABC9D9-FD81-E4C0-9AED-792D02FE3B7C}"/>
-          </ac:spMkLst>
-        </pc:spChg>
-        <pc:spChg chg="mod">
-          <ac:chgData name="Lines, Todd" userId="afaf7c3a-e8aa-4568-882a-02ad8f9e19b0" providerId="ADAL" clId="{18C51731-65D7-4D63-A13A-C35379499D4F}" dt="2023-11-04T22:47:49.125" v="75" actId="165"/>
-          <ac:spMkLst>
-            <pc:docMk/>
-            <pc:sldMk cId="3694168926" sldId="1436"/>
-            <ac:spMk id="99" creationId="{14A31E32-7350-31CA-21A2-926EF03A6EDF}"/>
-          </ac:spMkLst>
-        </pc:spChg>
-        <pc:spChg chg="mod">
-          <ac:chgData name="Lines, Todd" userId="afaf7c3a-e8aa-4568-882a-02ad8f9e19b0" providerId="ADAL" clId="{18C51731-65D7-4D63-A13A-C35379499D4F}" dt="2023-11-04T22:47:49.125" v="75" actId="165"/>
-          <ac:spMkLst>
-            <pc:docMk/>
-            <pc:sldMk cId="3694168926" sldId="1436"/>
-            <ac:spMk id="100" creationId="{AADAD817-C47A-B299-77DF-1DDC42DCE858}"/>
-          </ac:spMkLst>
-        </pc:spChg>
-        <pc:spChg chg="mod">
-          <ac:chgData name="Lines, Todd" userId="afaf7c3a-e8aa-4568-882a-02ad8f9e19b0" providerId="ADAL" clId="{18C51731-65D7-4D63-A13A-C35379499D4F}" dt="2023-11-04T22:47:49.125" v="75" actId="165"/>
-          <ac:spMkLst>
-            <pc:docMk/>
-            <pc:sldMk cId="3694168926" sldId="1436"/>
-            <ac:spMk id="101" creationId="{92807463-D966-A7A5-5A3C-8BEFC64A8F33}"/>
-          </ac:spMkLst>
-        </pc:spChg>
-        <pc:spChg chg="mod">
-          <ac:chgData name="Lines, Todd" userId="afaf7c3a-e8aa-4568-882a-02ad8f9e19b0" providerId="ADAL" clId="{18C51731-65D7-4D63-A13A-C35379499D4F}" dt="2023-11-04T22:47:49.125" v="75" actId="165"/>
-          <ac:spMkLst>
-            <pc:docMk/>
-            <pc:sldMk cId="3694168926" sldId="1436"/>
-            <ac:spMk id="102" creationId="{3AB44A41-020F-0130-0517-9C8BC1B8CC12}"/>
-          </ac:spMkLst>
-        </pc:spChg>
-        <pc:spChg chg="mod">
-          <ac:chgData name="Lines, Todd" userId="afaf7c3a-e8aa-4568-882a-02ad8f9e19b0" providerId="ADAL" clId="{18C51731-65D7-4D63-A13A-C35379499D4F}" dt="2023-11-04T22:47:49.125" v="75" actId="165"/>
-          <ac:spMkLst>
-            <pc:docMk/>
-            <pc:sldMk cId="3694168926" sldId="1436"/>
-            <ac:spMk id="103" creationId="{AC7BDA7D-0B98-C4BA-D2A9-7588C225B6EA}"/>
-          </ac:spMkLst>
-        </pc:spChg>
-        <pc:spChg chg="mod">
-          <ac:chgData name="Lines, Todd" userId="afaf7c3a-e8aa-4568-882a-02ad8f9e19b0" providerId="ADAL" clId="{18C51731-65D7-4D63-A13A-C35379499D4F}" dt="2023-11-04T22:47:49.125" v="75" actId="165"/>
-          <ac:spMkLst>
-            <pc:docMk/>
-            <pc:sldMk cId="3694168926" sldId="1436"/>
-            <ac:spMk id="104" creationId="{C7F0D761-8DD6-6BD3-896E-95D085271341}"/>
-          </ac:spMkLst>
-        </pc:spChg>
-        <pc:spChg chg="mod">
-          <ac:chgData name="Lines, Todd" userId="afaf7c3a-e8aa-4568-882a-02ad8f9e19b0" providerId="ADAL" clId="{18C51731-65D7-4D63-A13A-C35379499D4F}" dt="2023-11-04T22:47:49.125" v="75" actId="165"/>
-          <ac:spMkLst>
-            <pc:docMk/>
-            <pc:sldMk cId="3694168926" sldId="1436"/>
-            <ac:spMk id="105" creationId="{8FCDB958-3A1A-951C-55DB-0B96E37DD690}"/>
-          </ac:spMkLst>
-        </pc:spChg>
-        <pc:spChg chg="mod">
-          <ac:chgData name="Lines, Todd" userId="afaf7c3a-e8aa-4568-882a-02ad8f9e19b0" providerId="ADAL" clId="{18C51731-65D7-4D63-A13A-C35379499D4F}" dt="2023-11-04T22:47:49.125" v="75" actId="165"/>
-          <ac:spMkLst>
-            <pc:docMk/>
-            <pc:sldMk cId="3694168926" sldId="1436"/>
-            <ac:spMk id="106" creationId="{7258C89E-5D6B-A755-B767-C8159CBAFD08}"/>
-          </ac:spMkLst>
-        </pc:spChg>
-        <pc:spChg chg="mod">
-          <ac:chgData name="Lines, Todd" userId="afaf7c3a-e8aa-4568-882a-02ad8f9e19b0" providerId="ADAL" clId="{18C51731-65D7-4D63-A13A-C35379499D4F}" dt="2023-11-04T22:47:49.125" v="75" actId="165"/>
-          <ac:spMkLst>
-            <pc:docMk/>
-            <pc:sldMk cId="3694168926" sldId="1436"/>
-            <ac:spMk id="107" creationId="{6951503C-9B9C-9185-557C-947216B1B93D}"/>
-          </ac:spMkLst>
-        </pc:spChg>
-        <pc:spChg chg="mod">
-          <ac:chgData name="Lines, Todd" userId="afaf7c3a-e8aa-4568-882a-02ad8f9e19b0" providerId="ADAL" clId="{18C51731-65D7-4D63-A13A-C35379499D4F}" dt="2023-11-04T22:47:49.125" v="75" actId="165"/>
-          <ac:spMkLst>
-            <pc:docMk/>
-            <pc:sldMk cId="3694168926" sldId="1436"/>
-            <ac:spMk id="108" creationId="{A808EC5A-6E0F-A40F-1D33-70165E7DC94A}"/>
-          </ac:spMkLst>
-        </pc:spChg>
-        <pc:spChg chg="mod">
-          <ac:chgData name="Lines, Todd" userId="afaf7c3a-e8aa-4568-882a-02ad8f9e19b0" providerId="ADAL" clId="{18C51731-65D7-4D63-A13A-C35379499D4F}" dt="2023-11-04T22:47:49.125" v="75" actId="165"/>
-          <ac:spMkLst>
-            <pc:docMk/>
-            <pc:sldMk cId="3694168926" sldId="1436"/>
-            <ac:spMk id="109" creationId="{798FF9BB-BE99-2AA7-7B68-689C4FDB129C}"/>
-          </ac:spMkLst>
-        </pc:spChg>
-        <pc:spChg chg="mod">
-          <ac:chgData name="Lines, Todd" userId="afaf7c3a-e8aa-4568-882a-02ad8f9e19b0" providerId="ADAL" clId="{18C51731-65D7-4D63-A13A-C35379499D4F}" dt="2023-11-04T22:47:49.125" v="75" actId="165"/>
-          <ac:spMkLst>
-            <pc:docMk/>
-            <pc:sldMk cId="3694168926" sldId="1436"/>
-            <ac:spMk id="110" creationId="{B1DE96A0-6F01-4911-67BB-F0A4EC254B68}"/>
-          </ac:spMkLst>
-        </pc:spChg>
-        <pc:spChg chg="mod">
-          <ac:chgData name="Lines, Todd" userId="afaf7c3a-e8aa-4568-882a-02ad8f9e19b0" providerId="ADAL" clId="{18C51731-65D7-4D63-A13A-C35379499D4F}" dt="2023-11-04T22:47:49.125" v="75" actId="165"/>
-          <ac:spMkLst>
-            <pc:docMk/>
-            <pc:sldMk cId="3694168926" sldId="1436"/>
-            <ac:spMk id="111" creationId="{F13E06EA-D306-18DF-53F4-9112F211EC29}"/>
-          </ac:spMkLst>
-        </pc:spChg>
-        <pc:spChg chg="mod">
-          <ac:chgData name="Lines, Todd" userId="afaf7c3a-e8aa-4568-882a-02ad8f9e19b0" providerId="ADAL" clId="{18C51731-65D7-4D63-A13A-C35379499D4F}" dt="2023-11-04T22:47:49.125" v="75" actId="165"/>
-          <ac:spMkLst>
-            <pc:docMk/>
-            <pc:sldMk cId="3694168926" sldId="1436"/>
-            <ac:spMk id="112" creationId="{0108D5AF-3251-BA7D-F2E8-6220AD32A318}"/>
-          </ac:spMkLst>
-        </pc:spChg>
-        <pc:spChg chg="mod">
-          <ac:chgData name="Lines, Todd" userId="afaf7c3a-e8aa-4568-882a-02ad8f9e19b0" providerId="ADAL" clId="{18C51731-65D7-4D63-A13A-C35379499D4F}" dt="2023-11-04T22:47:49.125" v="75" actId="165"/>
-          <ac:spMkLst>
-            <pc:docMk/>
-            <pc:sldMk cId="3694168926" sldId="1436"/>
-            <ac:spMk id="113" creationId="{DCC16D6E-3F1C-B73E-6494-1AE92F2D27F8}"/>
-          </ac:spMkLst>
-        </pc:spChg>
-        <pc:spChg chg="mod">
-          <ac:chgData name="Lines, Todd" userId="afaf7c3a-e8aa-4568-882a-02ad8f9e19b0" providerId="ADAL" clId="{18C51731-65D7-4D63-A13A-C35379499D4F}" dt="2023-11-04T22:47:49.125" v="75" actId="165"/>
-          <ac:spMkLst>
-            <pc:docMk/>
-            <pc:sldMk cId="3694168926" sldId="1436"/>
-            <ac:spMk id="114" creationId="{D6310699-BC32-9649-BCB7-16CB006CAD65}"/>
-          </ac:spMkLst>
-        </pc:spChg>
-        <pc:spChg chg="mod">
-          <ac:chgData name="Lines, Todd" userId="afaf7c3a-e8aa-4568-882a-02ad8f9e19b0" providerId="ADAL" clId="{18C51731-65D7-4D63-A13A-C35379499D4F}" dt="2023-11-04T22:47:49.125" v="75" actId="165"/>
-          <ac:spMkLst>
-            <pc:docMk/>
-            <pc:sldMk cId="3694168926" sldId="1436"/>
-            <ac:spMk id="115" creationId="{9FF4BCBB-3170-FF17-1CED-E6BAC7F4F03D}"/>
-          </ac:spMkLst>
-        </pc:spChg>
-        <pc:spChg chg="mod">
-          <ac:chgData name="Lines, Todd" userId="afaf7c3a-e8aa-4568-882a-02ad8f9e19b0" providerId="ADAL" clId="{18C51731-65D7-4D63-A13A-C35379499D4F}" dt="2023-11-04T22:47:49.125" v="75" actId="165"/>
-          <ac:spMkLst>
-            <pc:docMk/>
-            <pc:sldMk cId="3694168926" sldId="1436"/>
-            <ac:spMk id="116" creationId="{BE84698A-6FF3-69F7-B569-6A59346937BE}"/>
-          </ac:spMkLst>
-        </pc:spChg>
-        <pc:spChg chg="mod">
-          <ac:chgData name="Lines, Todd" userId="afaf7c3a-e8aa-4568-882a-02ad8f9e19b0" providerId="ADAL" clId="{18C51731-65D7-4D63-A13A-C35379499D4F}" dt="2023-11-04T22:47:49.125" v="75" actId="165"/>
-          <ac:spMkLst>
-            <pc:docMk/>
-            <pc:sldMk cId="3694168926" sldId="1436"/>
-            <ac:spMk id="117" creationId="{9198F0BC-2661-0296-EC2B-03E514C44947}"/>
-          </ac:spMkLst>
-        </pc:spChg>
-        <pc:spChg chg="mod">
-          <ac:chgData name="Lines, Todd" userId="afaf7c3a-e8aa-4568-882a-02ad8f9e19b0" providerId="ADAL" clId="{18C51731-65D7-4D63-A13A-C35379499D4F}" dt="2023-11-04T22:47:49.125" v="75" actId="165"/>
-          <ac:spMkLst>
-            <pc:docMk/>
-            <pc:sldMk cId="3694168926" sldId="1436"/>
-            <ac:spMk id="118" creationId="{FAB780C2-FC2D-1617-D5E2-32F90D4CBFBE}"/>
-          </ac:spMkLst>
-        </pc:spChg>
-        <pc:spChg chg="mod">
-          <ac:chgData name="Lines, Todd" userId="afaf7c3a-e8aa-4568-882a-02ad8f9e19b0" providerId="ADAL" clId="{18C51731-65D7-4D63-A13A-C35379499D4F}" dt="2023-11-04T22:47:49.125" v="75" actId="165"/>
-          <ac:spMkLst>
-            <pc:docMk/>
-            <pc:sldMk cId="3694168926" sldId="1436"/>
-            <ac:spMk id="119" creationId="{71FC159C-DCAF-38FD-BEC1-3A23E01EDC82}"/>
-          </ac:spMkLst>
-        </pc:spChg>
-        <pc:spChg chg="mod">
-          <ac:chgData name="Lines, Todd" userId="afaf7c3a-e8aa-4568-882a-02ad8f9e19b0" providerId="ADAL" clId="{18C51731-65D7-4D63-A13A-C35379499D4F}" dt="2023-11-04T22:47:49.125" v="75" actId="165"/>
-          <ac:spMkLst>
-            <pc:docMk/>
-            <pc:sldMk cId="3694168926" sldId="1436"/>
-            <ac:spMk id="120" creationId="{0CF35AF9-0941-9B56-A5EC-94BE9CB237BD}"/>
-          </ac:spMkLst>
-        </pc:spChg>
-        <pc:spChg chg="mod">
-          <ac:chgData name="Lines, Todd" userId="afaf7c3a-e8aa-4568-882a-02ad8f9e19b0" providerId="ADAL" clId="{18C51731-65D7-4D63-A13A-C35379499D4F}" dt="2023-11-04T22:47:49.125" v="75" actId="165"/>
-          <ac:spMkLst>
-            <pc:docMk/>
-            <pc:sldMk cId="3694168926" sldId="1436"/>
-            <ac:spMk id="121" creationId="{D2D33D33-371A-ADD2-9B95-AB2CA67B8BB4}"/>
-          </ac:spMkLst>
-        </pc:spChg>
-        <pc:spChg chg="mod">
-          <ac:chgData name="Lines, Todd" userId="afaf7c3a-e8aa-4568-882a-02ad8f9e19b0" providerId="ADAL" clId="{18C51731-65D7-4D63-A13A-C35379499D4F}" dt="2023-11-04T22:47:49.125" v="75" actId="165"/>
-          <ac:spMkLst>
-            <pc:docMk/>
-            <pc:sldMk cId="3694168926" sldId="1436"/>
-            <ac:spMk id="122" creationId="{BF6FD51C-5ECC-1B79-8B72-E84F1A42F3D7}"/>
-          </ac:spMkLst>
-        </pc:spChg>
-        <pc:spChg chg="mod">
-          <ac:chgData name="Lines, Todd" userId="afaf7c3a-e8aa-4568-882a-02ad8f9e19b0" providerId="ADAL" clId="{18C51731-65D7-4D63-A13A-C35379499D4F}" dt="2023-11-04T22:47:49.125" v="75" actId="165"/>
-          <ac:spMkLst>
-            <pc:docMk/>
-            <pc:sldMk cId="3694168926" sldId="1436"/>
-            <ac:spMk id="123" creationId="{67168AC4-8FBE-7964-DAED-E1F7283B6F4E}"/>
-          </ac:spMkLst>
-        </pc:spChg>
-        <pc:spChg chg="mod">
-          <ac:chgData name="Lines, Todd" userId="afaf7c3a-e8aa-4568-882a-02ad8f9e19b0" providerId="ADAL" clId="{18C51731-65D7-4D63-A13A-C35379499D4F}" dt="2023-11-04T22:47:49.125" v="75" actId="165"/>
-          <ac:spMkLst>
-            <pc:docMk/>
-            <pc:sldMk cId="3694168926" sldId="1436"/>
-            <ac:spMk id="124" creationId="{F2E885D0-5B79-6F78-953A-513EA6202FAE}"/>
-          </ac:spMkLst>
-        </pc:spChg>
-        <pc:spChg chg="mod">
-          <ac:chgData name="Lines, Todd" userId="afaf7c3a-e8aa-4568-882a-02ad8f9e19b0" providerId="ADAL" clId="{18C51731-65D7-4D63-A13A-C35379499D4F}" dt="2023-11-04T22:47:49.125" v="75" actId="165"/>
-          <ac:spMkLst>
-            <pc:docMk/>
-            <pc:sldMk cId="3694168926" sldId="1436"/>
-            <ac:spMk id="125" creationId="{45FEB12F-A73F-FD8F-86D1-CB7565077016}"/>
-          </ac:spMkLst>
-        </pc:spChg>
-        <pc:spChg chg="mod">
-          <ac:chgData name="Lines, Todd" userId="afaf7c3a-e8aa-4568-882a-02ad8f9e19b0" providerId="ADAL" clId="{18C51731-65D7-4D63-A13A-C35379499D4F}" dt="2023-11-04T22:47:49.125" v="75" actId="165"/>
-          <ac:spMkLst>
-            <pc:docMk/>
-            <pc:sldMk cId="3694168926" sldId="1436"/>
-            <ac:spMk id="126" creationId="{15507C12-ABD6-D318-89CE-508FEFFCBA7A}"/>
-          </ac:spMkLst>
-        </pc:spChg>
-        <pc:spChg chg="mod">
-          <ac:chgData name="Lines, Todd" userId="afaf7c3a-e8aa-4568-882a-02ad8f9e19b0" providerId="ADAL" clId="{18C51731-65D7-4D63-A13A-C35379499D4F}" dt="2023-11-04T22:47:49.125" v="75" actId="165"/>
-          <ac:spMkLst>
-            <pc:docMk/>
-            <pc:sldMk cId="3694168926" sldId="1436"/>
-            <ac:spMk id="127" creationId="{B70885D5-9172-7341-58CF-08A5C87D5FF8}"/>
-          </ac:spMkLst>
-        </pc:spChg>
-        <pc:spChg chg="mod">
-          <ac:chgData name="Lines, Todd" userId="afaf7c3a-e8aa-4568-882a-02ad8f9e19b0" providerId="ADAL" clId="{18C51731-65D7-4D63-A13A-C35379499D4F}" dt="2023-11-04T22:47:49.125" v="75" actId="165"/>
-          <ac:spMkLst>
-            <pc:docMk/>
-            <pc:sldMk cId="3694168926" sldId="1436"/>
-            <ac:spMk id="128" creationId="{0CB48043-472A-9DAE-7134-02DC44BBDF02}"/>
-          </ac:spMkLst>
-        </pc:spChg>
-        <pc:spChg chg="mod">
-          <ac:chgData name="Lines, Todd" userId="afaf7c3a-e8aa-4568-882a-02ad8f9e19b0" providerId="ADAL" clId="{18C51731-65D7-4D63-A13A-C35379499D4F}" dt="2023-11-04T22:47:49.125" v="75" actId="165"/>
-          <ac:spMkLst>
-            <pc:docMk/>
-            <pc:sldMk cId="3694168926" sldId="1436"/>
-            <ac:spMk id="129" creationId="{FA1DB993-4B31-BF2C-192C-A3F31439A4B8}"/>
-          </ac:spMkLst>
-        </pc:spChg>
-        <pc:spChg chg="mod">
-          <ac:chgData name="Lines, Todd" userId="afaf7c3a-e8aa-4568-882a-02ad8f9e19b0" providerId="ADAL" clId="{18C51731-65D7-4D63-A13A-C35379499D4F}" dt="2023-11-04T22:47:49.125" v="75" actId="165"/>
-          <ac:spMkLst>
-            <pc:docMk/>
-            <pc:sldMk cId="3694168926" sldId="1436"/>
-            <ac:spMk id="130" creationId="{B15DA75E-6B17-C181-B37F-4FD693545A1A}"/>
-          </ac:spMkLst>
-        </pc:spChg>
-        <pc:spChg chg="mod">
-          <ac:chgData name="Lines, Todd" userId="afaf7c3a-e8aa-4568-882a-02ad8f9e19b0" providerId="ADAL" clId="{18C51731-65D7-4D63-A13A-C35379499D4F}" dt="2023-11-04T22:47:49.125" v="75" actId="165"/>
-          <ac:spMkLst>
-            <pc:docMk/>
-            <pc:sldMk cId="3694168926" sldId="1436"/>
-            <ac:spMk id="131" creationId="{16F0C47C-C7B3-88B6-6477-DB815B23FF6A}"/>
-          </ac:spMkLst>
-        </pc:spChg>
-        <pc:spChg chg="mod">
-          <ac:chgData name="Lines, Todd" userId="afaf7c3a-e8aa-4568-882a-02ad8f9e19b0" providerId="ADAL" clId="{18C51731-65D7-4D63-A13A-C35379499D4F}" dt="2023-11-04T22:47:49.125" v="75" actId="165"/>
-          <ac:spMkLst>
-            <pc:docMk/>
-            <pc:sldMk cId="3694168926" sldId="1436"/>
-            <ac:spMk id="132" creationId="{71C2DAF1-2116-9F1A-CF84-8F7A4253FB2A}"/>
-          </ac:spMkLst>
-        </pc:spChg>
-        <pc:spChg chg="mod">
-          <ac:chgData name="Lines, Todd" userId="afaf7c3a-e8aa-4568-882a-02ad8f9e19b0" providerId="ADAL" clId="{18C51731-65D7-4D63-A13A-C35379499D4F}" dt="2023-11-04T22:47:49.125" v="75" actId="165"/>
-          <ac:spMkLst>
-            <pc:docMk/>
-            <pc:sldMk cId="3694168926" sldId="1436"/>
-            <ac:spMk id="133" creationId="{E228A552-3488-B6BF-9C86-679AF2FB9996}"/>
-          </ac:spMkLst>
-        </pc:spChg>
-        <pc:spChg chg="mod">
-          <ac:chgData name="Lines, Todd" userId="afaf7c3a-e8aa-4568-882a-02ad8f9e19b0" providerId="ADAL" clId="{18C51731-65D7-4D63-A13A-C35379499D4F}" dt="2023-11-04T22:47:49.125" v="75" actId="165"/>
-          <ac:spMkLst>
-            <pc:docMk/>
-            <pc:sldMk cId="3694168926" sldId="1436"/>
-            <ac:spMk id="134" creationId="{B549DCE5-658A-12C5-307C-603622C45C8C}"/>
-          </ac:spMkLst>
-        </pc:spChg>
-        <pc:spChg chg="mod">
-          <ac:chgData name="Lines, Todd" userId="afaf7c3a-e8aa-4568-882a-02ad8f9e19b0" providerId="ADAL" clId="{18C51731-65D7-4D63-A13A-C35379499D4F}" dt="2023-11-04T22:47:49.125" v="75" actId="165"/>
-          <ac:spMkLst>
-            <pc:docMk/>
-            <pc:sldMk cId="3694168926" sldId="1436"/>
-            <ac:spMk id="135" creationId="{6674D0E0-A020-65EC-2C9B-52295C69C975}"/>
-          </ac:spMkLst>
-        </pc:spChg>
-        <pc:spChg chg="mod">
-          <ac:chgData name="Lines, Todd" userId="afaf7c3a-e8aa-4568-882a-02ad8f9e19b0" providerId="ADAL" clId="{18C51731-65D7-4D63-A13A-C35379499D4F}" dt="2023-11-04T22:47:49.125" v="75" actId="165"/>
-          <ac:spMkLst>
-            <pc:docMk/>
-            <pc:sldMk cId="3694168926" sldId="1436"/>
-            <ac:spMk id="136" creationId="{B67C2F27-E75A-0791-98EB-7997F17CD6AE}"/>
-          </ac:spMkLst>
-        </pc:spChg>
-        <pc:spChg chg="mod">
-          <ac:chgData name="Lines, Todd" userId="afaf7c3a-e8aa-4568-882a-02ad8f9e19b0" providerId="ADAL" clId="{18C51731-65D7-4D63-A13A-C35379499D4F}" dt="2023-11-04T22:47:49.125" v="75" actId="165"/>
-          <ac:spMkLst>
-            <pc:docMk/>
-            <pc:sldMk cId="3694168926" sldId="1436"/>
-            <ac:spMk id="137" creationId="{0AF41164-6224-CFCD-AD19-3E1EE6392C42}"/>
-          </ac:spMkLst>
-        </pc:spChg>
-        <pc:spChg chg="mod">
-          <ac:chgData name="Lines, Todd" userId="afaf7c3a-e8aa-4568-882a-02ad8f9e19b0" providerId="ADAL" clId="{18C51731-65D7-4D63-A13A-C35379499D4F}" dt="2023-11-04T22:47:49.125" v="75" actId="165"/>
-          <ac:spMkLst>
-            <pc:docMk/>
-            <pc:sldMk cId="3694168926" sldId="1436"/>
-            <ac:spMk id="138" creationId="{EC828028-5A96-15D0-A3F2-3E5FA0C967E5}"/>
-          </ac:spMkLst>
-        </pc:spChg>
-        <pc:spChg chg="mod">
-          <ac:chgData name="Lines, Todd" userId="afaf7c3a-e8aa-4568-882a-02ad8f9e19b0" providerId="ADAL" clId="{18C51731-65D7-4D63-A13A-C35379499D4F}" dt="2023-11-04T22:47:49.125" v="75" actId="165"/>
-          <ac:spMkLst>
-            <pc:docMk/>
-            <pc:sldMk cId="3694168926" sldId="1436"/>
-            <ac:spMk id="139" creationId="{24C3B487-C761-F61E-77D3-D23131637B54}"/>
-          </ac:spMkLst>
-        </pc:spChg>
-        <pc:spChg chg="mod">
-          <ac:chgData name="Lines, Todd" userId="afaf7c3a-e8aa-4568-882a-02ad8f9e19b0" providerId="ADAL" clId="{18C51731-65D7-4D63-A13A-C35379499D4F}" dt="2023-11-04T22:47:49.125" v="75" actId="165"/>
-          <ac:spMkLst>
-            <pc:docMk/>
-            <pc:sldMk cId="3694168926" sldId="1436"/>
-            <ac:spMk id="140" creationId="{4ADAEDD2-2C57-8298-76E8-2DCD8CCE2D89}"/>
-          </ac:spMkLst>
-        </pc:spChg>
-        <pc:spChg chg="mod">
-          <ac:chgData name="Lines, Todd" userId="afaf7c3a-e8aa-4568-882a-02ad8f9e19b0" providerId="ADAL" clId="{18C51731-65D7-4D63-A13A-C35379499D4F}" dt="2023-11-04T22:47:49.125" v="75" actId="165"/>
-          <ac:spMkLst>
-            <pc:docMk/>
-            <pc:sldMk cId="3694168926" sldId="1436"/>
-            <ac:spMk id="141" creationId="{A54C6605-74F2-BD8D-92D1-A6644EC6121B}"/>
-          </ac:spMkLst>
-        </pc:spChg>
-        <pc:spChg chg="mod">
-          <ac:chgData name="Lines, Todd" userId="afaf7c3a-e8aa-4568-882a-02ad8f9e19b0" providerId="ADAL" clId="{18C51731-65D7-4D63-A13A-C35379499D4F}" dt="2023-11-04T22:47:49.125" v="75" actId="165"/>
-          <ac:spMkLst>
-            <pc:docMk/>
-            <pc:sldMk cId="3694168926" sldId="1436"/>
-            <ac:spMk id="142" creationId="{7993E930-B73C-CF68-08FD-480653B15A92}"/>
-          </ac:spMkLst>
-        </pc:spChg>
-        <pc:spChg chg="mod">
-          <ac:chgData name="Lines, Todd" userId="afaf7c3a-e8aa-4568-882a-02ad8f9e19b0" providerId="ADAL" clId="{18C51731-65D7-4D63-A13A-C35379499D4F}" dt="2023-11-04T22:47:49.125" v="75" actId="165"/>
-          <ac:spMkLst>
-            <pc:docMk/>
-            <pc:sldMk cId="3694168926" sldId="1436"/>
-            <ac:spMk id="143" creationId="{7549D4B9-ABB7-52C7-6744-0A53CF2044D7}"/>
-          </ac:spMkLst>
-        </pc:spChg>
-        <pc:spChg chg="mod">
-          <ac:chgData name="Lines, Todd" userId="afaf7c3a-e8aa-4568-882a-02ad8f9e19b0" providerId="ADAL" clId="{18C51731-65D7-4D63-A13A-C35379499D4F}" dt="2023-11-04T22:47:49.125" v="75" actId="165"/>
-          <ac:spMkLst>
-            <pc:docMk/>
-            <pc:sldMk cId="3694168926" sldId="1436"/>
-            <ac:spMk id="144" creationId="{E75D2FC1-DB40-1CDB-AAD9-D255E75A0489}"/>
-          </ac:spMkLst>
-        </pc:spChg>
-        <pc:spChg chg="mod">
-          <ac:chgData name="Lines, Todd" userId="afaf7c3a-e8aa-4568-882a-02ad8f9e19b0" providerId="ADAL" clId="{18C51731-65D7-4D63-A13A-C35379499D4F}" dt="2023-11-04T22:47:49.125" v="75" actId="165"/>
-          <ac:spMkLst>
-            <pc:docMk/>
-            <pc:sldMk cId="3694168926" sldId="1436"/>
-            <ac:spMk id="145" creationId="{C04703A6-1699-0D8A-E50C-9F8406F74365}"/>
-          </ac:spMkLst>
-        </pc:spChg>
-        <pc:spChg chg="mod">
-          <ac:chgData name="Lines, Todd" userId="afaf7c3a-e8aa-4568-882a-02ad8f9e19b0" providerId="ADAL" clId="{18C51731-65D7-4D63-A13A-C35379499D4F}" dt="2023-11-04T22:47:49.125" v="75" actId="165"/>
-          <ac:spMkLst>
-            <pc:docMk/>
-            <pc:sldMk cId="3694168926" sldId="1436"/>
-            <ac:spMk id="146" creationId="{9F8AD60F-BACF-1C6A-B657-EC7829206928}"/>
-          </ac:spMkLst>
-        </pc:spChg>
-        <pc:spChg chg="mod">
-          <ac:chgData name="Lines, Todd" userId="afaf7c3a-e8aa-4568-882a-02ad8f9e19b0" providerId="ADAL" clId="{18C51731-65D7-4D63-A13A-C35379499D4F}" dt="2023-11-04T22:47:49.125" v="75" actId="165"/>
-          <ac:spMkLst>
-            <pc:docMk/>
-            <pc:sldMk cId="3694168926" sldId="1436"/>
-            <ac:spMk id="147" creationId="{FB57DB86-1A00-9836-12DA-9DCD9E717B62}"/>
-          </ac:spMkLst>
-        </pc:spChg>
-        <pc:spChg chg="mod">
-          <ac:chgData name="Lines, Todd" userId="afaf7c3a-e8aa-4568-882a-02ad8f9e19b0" providerId="ADAL" clId="{18C51731-65D7-4D63-A13A-C35379499D4F}" dt="2023-11-04T22:47:49.125" v="75" actId="165"/>
-          <ac:spMkLst>
-            <pc:docMk/>
-            <pc:sldMk cId="3694168926" sldId="1436"/>
-            <ac:spMk id="148" creationId="{BAB1F40A-57D9-1F3C-73ED-19C720073C48}"/>
-          </ac:spMkLst>
-        </pc:spChg>
-        <pc:spChg chg="mod">
-          <ac:chgData name="Lines, Todd" userId="afaf7c3a-e8aa-4568-882a-02ad8f9e19b0" providerId="ADAL" clId="{18C51731-65D7-4D63-A13A-C35379499D4F}" dt="2023-11-04T22:47:49.125" v="75" actId="165"/>
-          <ac:spMkLst>
-            <pc:docMk/>
-            <pc:sldMk cId="3694168926" sldId="1436"/>
-            <ac:spMk id="149" creationId="{FB970F70-80BA-86D8-9253-B69BBFDCD097}"/>
-          </ac:spMkLst>
-        </pc:spChg>
-        <pc:spChg chg="mod">
-          <ac:chgData name="Lines, Todd" userId="afaf7c3a-e8aa-4568-882a-02ad8f9e19b0" providerId="ADAL" clId="{18C51731-65D7-4D63-A13A-C35379499D4F}" dt="2023-11-04T22:47:49.125" v="75" actId="165"/>
-          <ac:spMkLst>
-            <pc:docMk/>
-            <pc:sldMk cId="3694168926" sldId="1436"/>
-            <ac:spMk id="150" creationId="{50DEF640-A976-5B9B-173B-20F7BF83CF34}"/>
-          </ac:spMkLst>
-        </pc:spChg>
-        <pc:spChg chg="mod">
-          <ac:chgData name="Lines, Todd" userId="afaf7c3a-e8aa-4568-882a-02ad8f9e19b0" providerId="ADAL" clId="{18C51731-65D7-4D63-A13A-C35379499D4F}" dt="2023-11-04T22:47:49.125" v="75" actId="165"/>
-          <ac:spMkLst>
-            <pc:docMk/>
-            <pc:sldMk cId="3694168926" sldId="1436"/>
-            <ac:spMk id="151" creationId="{3AC06CA1-9D9D-1605-CE0E-4DF85F03DE43}"/>
-          </ac:spMkLst>
-        </pc:spChg>
-        <pc:spChg chg="mod">
-          <ac:chgData name="Lines, Todd" userId="afaf7c3a-e8aa-4568-882a-02ad8f9e19b0" providerId="ADAL" clId="{18C51731-65D7-4D63-A13A-C35379499D4F}" dt="2023-11-04T22:47:49.125" v="75" actId="165"/>
-          <ac:spMkLst>
-            <pc:docMk/>
-            <pc:sldMk cId="3694168926" sldId="1436"/>
-            <ac:spMk id="152" creationId="{DA7D7DC0-C32A-0D32-AE78-3F6754231F5C}"/>
-          </ac:spMkLst>
-        </pc:spChg>
-        <pc:spChg chg="mod">
-          <ac:chgData name="Lines, Todd" userId="afaf7c3a-e8aa-4568-882a-02ad8f9e19b0" providerId="ADAL" clId="{18C51731-65D7-4D63-A13A-C35379499D4F}" dt="2023-11-04T22:47:49.125" v="75" actId="165"/>
-          <ac:spMkLst>
-            <pc:docMk/>
-            <pc:sldMk cId="3694168926" sldId="1436"/>
-            <ac:spMk id="153" creationId="{B1068FAF-0868-E5D3-8889-73D0DD955A8C}"/>
-          </ac:spMkLst>
-        </pc:spChg>
-        <pc:spChg chg="mod">
-          <ac:chgData name="Lines, Todd" userId="afaf7c3a-e8aa-4568-882a-02ad8f9e19b0" providerId="ADAL" clId="{18C51731-65D7-4D63-A13A-C35379499D4F}" dt="2023-11-04T22:47:49.125" v="75" actId="165"/>
-          <ac:spMkLst>
-            <pc:docMk/>
-            <pc:sldMk cId="3694168926" sldId="1436"/>
-            <ac:spMk id="154" creationId="{576497B2-33E8-CC92-4FDE-160A9FD2334F}"/>
-          </ac:spMkLst>
-        </pc:spChg>
-        <pc:spChg chg="mod">
-          <ac:chgData name="Lines, Todd" userId="afaf7c3a-e8aa-4568-882a-02ad8f9e19b0" providerId="ADAL" clId="{18C51731-65D7-4D63-A13A-C35379499D4F}" dt="2023-11-04T22:47:49.125" v="75" actId="165"/>
-          <ac:spMkLst>
-            <pc:docMk/>
-            <pc:sldMk cId="3694168926" sldId="1436"/>
-            <ac:spMk id="155" creationId="{C9AE93F5-7593-0817-3023-88E9C49B3547}"/>
-          </ac:spMkLst>
-        </pc:spChg>
-        <pc:spChg chg="mod">
-          <ac:chgData name="Lines, Todd" userId="afaf7c3a-e8aa-4568-882a-02ad8f9e19b0" providerId="ADAL" clId="{18C51731-65D7-4D63-A13A-C35379499D4F}" dt="2023-11-04T22:47:49.125" v="75" actId="165"/>
-          <ac:spMkLst>
-            <pc:docMk/>
-            <pc:sldMk cId="3694168926" sldId="1436"/>
-            <ac:spMk id="156" creationId="{5CC949B0-57CD-CD6D-BD44-A5C3AD47EF83}"/>
-          </ac:spMkLst>
-        </pc:spChg>
-        <pc:spChg chg="mod">
-          <ac:chgData name="Lines, Todd" userId="afaf7c3a-e8aa-4568-882a-02ad8f9e19b0" providerId="ADAL" clId="{18C51731-65D7-4D63-A13A-C35379499D4F}" dt="2023-11-04T22:47:49.125" v="75" actId="165"/>
-          <ac:spMkLst>
-            <pc:docMk/>
-            <pc:sldMk cId="3694168926" sldId="1436"/>
-            <ac:spMk id="157" creationId="{B8624105-5E94-B897-03FD-842F717BFC91}"/>
-          </ac:spMkLst>
-        </pc:spChg>
-        <pc:spChg chg="mod">
-          <ac:chgData name="Lines, Todd" userId="afaf7c3a-e8aa-4568-882a-02ad8f9e19b0" providerId="ADAL" clId="{18C51731-65D7-4D63-A13A-C35379499D4F}" dt="2023-11-04T22:47:49.125" v="75" actId="165"/>
-          <ac:spMkLst>
-            <pc:docMk/>
-            <pc:sldMk cId="3694168926" sldId="1436"/>
-            <ac:spMk id="158" creationId="{0EB33807-519C-6714-E1EB-B4080F073A7E}"/>
-          </ac:spMkLst>
-        </pc:spChg>
-        <pc:spChg chg="mod">
-          <ac:chgData name="Lines, Todd" userId="afaf7c3a-e8aa-4568-882a-02ad8f9e19b0" providerId="ADAL" clId="{18C51731-65D7-4D63-A13A-C35379499D4F}" dt="2023-11-04T22:47:49.125" v="75" actId="165"/>
-          <ac:spMkLst>
-            <pc:docMk/>
-            <pc:sldMk cId="3694168926" sldId="1436"/>
-            <ac:spMk id="159" creationId="{F8660702-ECAA-D9D4-E34A-E31F7119F721}"/>
-          </ac:spMkLst>
-        </pc:spChg>
-        <pc:spChg chg="mod">
-          <ac:chgData name="Lines, Todd" userId="afaf7c3a-e8aa-4568-882a-02ad8f9e19b0" providerId="ADAL" clId="{18C51731-65D7-4D63-A13A-C35379499D4F}" dt="2023-11-04T22:47:49.125" v="75" actId="165"/>
-          <ac:spMkLst>
-            <pc:docMk/>
-            <pc:sldMk cId="3694168926" sldId="1436"/>
-            <ac:spMk id="160" creationId="{50572691-DD67-9E56-04FE-BDDCE45E7A8B}"/>
-          </ac:spMkLst>
-        </pc:spChg>
-        <pc:spChg chg="mod">
-          <ac:chgData name="Lines, Todd" userId="afaf7c3a-e8aa-4568-882a-02ad8f9e19b0" providerId="ADAL" clId="{18C51731-65D7-4D63-A13A-C35379499D4F}" dt="2023-11-04T22:47:49.125" v="75" actId="165"/>
-          <ac:spMkLst>
-            <pc:docMk/>
-            <pc:sldMk cId="3694168926" sldId="1436"/>
-            <ac:spMk id="161" creationId="{08F73CB0-67D2-71F0-075F-57D726630FBB}"/>
-          </ac:spMkLst>
-        </pc:spChg>
-        <pc:spChg chg="mod">
-          <ac:chgData name="Lines, Todd" userId="afaf7c3a-e8aa-4568-882a-02ad8f9e19b0" providerId="ADAL" clId="{18C51731-65D7-4D63-A13A-C35379499D4F}" dt="2023-11-04T22:47:49.125" v="75" actId="165"/>
-          <ac:spMkLst>
-            <pc:docMk/>
-            <pc:sldMk cId="3694168926" sldId="1436"/>
-            <ac:spMk id="162" creationId="{EAA4A9B7-2381-B491-8BBC-5C4E1353ED7A}"/>
-          </ac:spMkLst>
-        </pc:spChg>
-        <pc:spChg chg="mod">
-          <ac:chgData name="Lines, Todd" userId="afaf7c3a-e8aa-4568-882a-02ad8f9e19b0" providerId="ADAL" clId="{18C51731-65D7-4D63-A13A-C35379499D4F}" dt="2023-11-04T22:47:49.125" v="75" actId="165"/>
-          <ac:spMkLst>
-            <pc:docMk/>
-            <pc:sldMk cId="3694168926" sldId="1436"/>
-            <ac:spMk id="163" creationId="{7FC125B4-DB7A-310A-9307-2647062FA88F}"/>
-          </ac:spMkLst>
-        </pc:spChg>
-        <pc:spChg chg="mod">
-          <ac:chgData name="Lines, Todd" userId="afaf7c3a-e8aa-4568-882a-02ad8f9e19b0" providerId="ADAL" clId="{18C51731-65D7-4D63-A13A-C35379499D4F}" dt="2023-11-04T22:47:49.125" v="75" actId="165"/>
-          <ac:spMkLst>
-            <pc:docMk/>
-            <pc:sldMk cId="3694168926" sldId="1436"/>
-            <ac:spMk id="164" creationId="{DD5A3CE4-5E83-0A6B-F774-546CEDC9E63F}"/>
-          </ac:spMkLst>
-        </pc:spChg>
-        <pc:spChg chg="mod">
-          <ac:chgData name="Lines, Todd" userId="afaf7c3a-e8aa-4568-882a-02ad8f9e19b0" providerId="ADAL" clId="{18C51731-65D7-4D63-A13A-C35379499D4F}" dt="2023-11-04T22:47:49.125" v="75" actId="165"/>
-          <ac:spMkLst>
-            <pc:docMk/>
-            <pc:sldMk cId="3694168926" sldId="1436"/>
-            <ac:spMk id="165" creationId="{B7E95BC4-BC48-5025-0739-22EEA71414B1}"/>
-          </ac:spMkLst>
-        </pc:spChg>
-        <pc:spChg chg="mod">
-          <ac:chgData name="Lines, Todd" userId="afaf7c3a-e8aa-4568-882a-02ad8f9e19b0" providerId="ADAL" clId="{18C51731-65D7-4D63-A13A-C35379499D4F}" dt="2023-11-04T22:47:49.125" v="75" actId="165"/>
-          <ac:spMkLst>
-            <pc:docMk/>
-            <pc:sldMk cId="3694168926" sldId="1436"/>
-            <ac:spMk id="166" creationId="{62D10AEA-6EE3-2380-E688-B779ED65E59E}"/>
-          </ac:spMkLst>
-        </pc:spChg>
-        <pc:spChg chg="mod">
-          <ac:chgData name="Lines, Todd" userId="afaf7c3a-e8aa-4568-882a-02ad8f9e19b0" providerId="ADAL" clId="{18C51731-65D7-4D63-A13A-C35379499D4F}" dt="2023-11-04T22:47:49.125" v="75" actId="165"/>
-          <ac:spMkLst>
-            <pc:docMk/>
-            <pc:sldMk cId="3694168926" sldId="1436"/>
-            <ac:spMk id="167" creationId="{D0E21A06-570D-7963-3C68-177702CC5562}"/>
-          </ac:spMkLst>
-        </pc:spChg>
-        <pc:spChg chg="mod">
-          <ac:chgData name="Lines, Todd" userId="afaf7c3a-e8aa-4568-882a-02ad8f9e19b0" providerId="ADAL" clId="{18C51731-65D7-4D63-A13A-C35379499D4F}" dt="2023-11-04T22:47:49.125" v="75" actId="165"/>
-          <ac:spMkLst>
-            <pc:docMk/>
-            <pc:sldMk cId="3694168926" sldId="1436"/>
-            <ac:spMk id="168" creationId="{127C8B55-66E3-C990-353E-C19B88DB76AB}"/>
-          </ac:spMkLst>
-        </pc:spChg>
-        <pc:spChg chg="mod">
-          <ac:chgData name="Lines, Todd" userId="afaf7c3a-e8aa-4568-882a-02ad8f9e19b0" providerId="ADAL" clId="{18C51731-65D7-4D63-A13A-C35379499D4F}" dt="2023-11-04T22:47:49.125" v="75" actId="165"/>
-          <ac:spMkLst>
-            <pc:docMk/>
-            <pc:sldMk cId="3694168926" sldId="1436"/>
-            <ac:spMk id="169" creationId="{49A237EF-4138-D6FF-8A14-95AB1BACB4E0}"/>
-          </ac:spMkLst>
-        </pc:spChg>
-        <pc:spChg chg="mod">
-          <ac:chgData name="Lines, Todd" userId="afaf7c3a-e8aa-4568-882a-02ad8f9e19b0" providerId="ADAL" clId="{18C51731-65D7-4D63-A13A-C35379499D4F}" dt="2023-11-04T22:47:49.125" v="75" actId="165"/>
-          <ac:spMkLst>
-            <pc:docMk/>
-            <pc:sldMk cId="3694168926" sldId="1436"/>
-            <ac:spMk id="170" creationId="{4F3D2B20-C06F-2CEC-734A-AA03257A56FF}"/>
-          </ac:spMkLst>
-        </pc:spChg>
-        <pc:spChg chg="mod">
-          <ac:chgData name="Lines, Todd" userId="afaf7c3a-e8aa-4568-882a-02ad8f9e19b0" providerId="ADAL" clId="{18C51731-65D7-4D63-A13A-C35379499D4F}" dt="2023-11-04T22:47:49.125" v="75" actId="165"/>
-          <ac:spMkLst>
-            <pc:docMk/>
-            <pc:sldMk cId="3694168926" sldId="1436"/>
-            <ac:spMk id="171" creationId="{2A5A8C8D-9D5F-A943-CC10-046C11BA00DC}"/>
-          </ac:spMkLst>
-        </pc:spChg>
-        <pc:spChg chg="mod">
-          <ac:chgData name="Lines, Todd" userId="afaf7c3a-e8aa-4568-882a-02ad8f9e19b0" providerId="ADAL" clId="{18C51731-65D7-4D63-A13A-C35379499D4F}" dt="2023-11-04T22:47:49.125" v="75" actId="165"/>
-          <ac:spMkLst>
-            <pc:docMk/>
-            <pc:sldMk cId="3694168926" sldId="1436"/>
-            <ac:spMk id="172" creationId="{1B443F3E-8D4B-B32D-2E8E-A038FF775073}"/>
-          </ac:spMkLst>
-        </pc:spChg>
-        <pc:spChg chg="mod">
-          <ac:chgData name="Lines, Todd" userId="afaf7c3a-e8aa-4568-882a-02ad8f9e19b0" providerId="ADAL" clId="{18C51731-65D7-4D63-A13A-C35379499D4F}" dt="2023-11-04T22:47:49.125" v="75" actId="165"/>
-          <ac:spMkLst>
-            <pc:docMk/>
-            <pc:sldMk cId="3694168926" sldId="1436"/>
-            <ac:spMk id="173" creationId="{1C90DB87-A3A1-7F33-27F6-48EA8EF24AA7}"/>
-          </ac:spMkLst>
-        </pc:spChg>
-        <pc:spChg chg="mod">
-          <ac:chgData name="Lines, Todd" userId="afaf7c3a-e8aa-4568-882a-02ad8f9e19b0" providerId="ADAL" clId="{18C51731-65D7-4D63-A13A-C35379499D4F}" dt="2023-11-04T22:47:49.125" v="75" actId="165"/>
-          <ac:spMkLst>
-            <pc:docMk/>
-            <pc:sldMk cId="3694168926" sldId="1436"/>
-            <ac:spMk id="174" creationId="{9673E683-7DAC-ABDB-6C58-88C382FED883}"/>
-          </ac:spMkLst>
-        </pc:spChg>
-        <pc:spChg chg="mod">
-          <ac:chgData name="Lines, Todd" userId="afaf7c3a-e8aa-4568-882a-02ad8f9e19b0" providerId="ADAL" clId="{18C51731-65D7-4D63-A13A-C35379499D4F}" dt="2023-11-04T22:47:49.125" v="75" actId="165"/>
-          <ac:spMkLst>
-            <pc:docMk/>
-            <pc:sldMk cId="3694168926" sldId="1436"/>
-            <ac:spMk id="175" creationId="{0C833FE1-A368-E9CC-B58C-88CADB9AB11D}"/>
-          </ac:spMkLst>
-        </pc:spChg>
-        <pc:spChg chg="mod">
-          <ac:chgData name="Lines, Todd" userId="afaf7c3a-e8aa-4568-882a-02ad8f9e19b0" providerId="ADAL" clId="{18C51731-65D7-4D63-A13A-C35379499D4F}" dt="2023-11-04T22:47:49.125" v="75" actId="165"/>
-          <ac:spMkLst>
-            <pc:docMk/>
-            <pc:sldMk cId="3694168926" sldId="1436"/>
-            <ac:spMk id="176" creationId="{2099BF92-D386-3A65-81E4-E0AAA13D5BE2}"/>
-          </ac:spMkLst>
-        </pc:spChg>
-        <pc:spChg chg="mod">
-          <ac:chgData name="Lines, Todd" userId="afaf7c3a-e8aa-4568-882a-02ad8f9e19b0" providerId="ADAL" clId="{18C51731-65D7-4D63-A13A-C35379499D4F}" dt="2023-11-04T22:47:49.125" v="75" actId="165"/>
-          <ac:spMkLst>
-            <pc:docMk/>
-            <pc:sldMk cId="3694168926" sldId="1436"/>
-            <ac:spMk id="177" creationId="{BECCF1A6-F044-D184-4CA4-9FED786C633B}"/>
-          </ac:spMkLst>
-        </pc:spChg>
-        <pc:spChg chg="mod">
-          <ac:chgData name="Lines, Todd" userId="afaf7c3a-e8aa-4568-882a-02ad8f9e19b0" providerId="ADAL" clId="{18C51731-65D7-4D63-A13A-C35379499D4F}" dt="2023-11-04T22:47:49.125" v="75" actId="165"/>
-          <ac:spMkLst>
-            <pc:docMk/>
-            <pc:sldMk cId="3694168926" sldId="1436"/>
-            <ac:spMk id="178" creationId="{750A5632-3269-2D63-A739-02F6E38CB39D}"/>
-          </ac:spMkLst>
-        </pc:spChg>
-        <pc:spChg chg="mod">
-          <ac:chgData name="Lines, Todd" userId="afaf7c3a-e8aa-4568-882a-02ad8f9e19b0" providerId="ADAL" clId="{18C51731-65D7-4D63-A13A-C35379499D4F}" dt="2023-11-04T22:47:49.125" v="75" actId="165"/>
-          <ac:spMkLst>
-            <pc:docMk/>
-            <pc:sldMk cId="3694168926" sldId="1436"/>
-            <ac:spMk id="179" creationId="{CACFECC0-390E-B483-3DD7-3ED64B646254}"/>
-          </ac:spMkLst>
-        </pc:spChg>
-        <pc:spChg chg="mod">
-          <ac:chgData name="Lines, Todd" userId="afaf7c3a-e8aa-4568-882a-02ad8f9e19b0" providerId="ADAL" clId="{18C51731-65D7-4D63-A13A-C35379499D4F}" dt="2023-11-04T22:47:49.125" v="75" actId="165"/>
-          <ac:spMkLst>
-            <pc:docMk/>
-            <pc:sldMk cId="3694168926" sldId="1436"/>
-            <ac:spMk id="180" creationId="{050578C7-25E3-5ACB-5693-4CCC6816E91F}"/>
-          </ac:spMkLst>
-        </pc:spChg>
-        <pc:spChg chg="mod">
-          <ac:chgData name="Lines, Todd" userId="afaf7c3a-e8aa-4568-882a-02ad8f9e19b0" providerId="ADAL" clId="{18C51731-65D7-4D63-A13A-C35379499D4F}" dt="2023-11-04T22:47:49.125" v="75" actId="165"/>
-          <ac:spMkLst>
-            <pc:docMk/>
-            <pc:sldMk cId="3694168926" sldId="1436"/>
-            <ac:spMk id="181" creationId="{E4C0B211-3D6C-47D7-7C15-6D53E1184581}"/>
-          </ac:spMkLst>
-        </pc:spChg>
-        <pc:spChg chg="mod">
-          <ac:chgData name="Lines, Todd" userId="afaf7c3a-e8aa-4568-882a-02ad8f9e19b0" providerId="ADAL" clId="{18C51731-65D7-4D63-A13A-C35379499D4F}" dt="2023-11-04T22:47:49.125" v="75" actId="165"/>
-          <ac:spMkLst>
-            <pc:docMk/>
-            <pc:sldMk cId="3694168926" sldId="1436"/>
-            <ac:spMk id="182" creationId="{BCE22872-55E8-0E41-665C-60417B23F0E3}"/>
-          </ac:spMkLst>
-        </pc:spChg>
-        <pc:spChg chg="mod">
-          <ac:chgData name="Lines, Todd" userId="afaf7c3a-e8aa-4568-882a-02ad8f9e19b0" providerId="ADAL" clId="{18C51731-65D7-4D63-A13A-C35379499D4F}" dt="2023-11-04T22:47:49.125" v="75" actId="165"/>
-          <ac:spMkLst>
-            <pc:docMk/>
-            <pc:sldMk cId="3694168926" sldId="1436"/>
-            <ac:spMk id="183" creationId="{08A80B82-4C15-A7C2-ADB7-72CDF4A204CB}"/>
-          </ac:spMkLst>
-        </pc:spChg>
-        <pc:spChg chg="mod">
-          <ac:chgData name="Lines, Todd" userId="afaf7c3a-e8aa-4568-882a-02ad8f9e19b0" providerId="ADAL" clId="{18C51731-65D7-4D63-A13A-C35379499D4F}" dt="2023-11-04T22:47:49.125" v="75" actId="165"/>
-          <ac:spMkLst>
-            <pc:docMk/>
-            <pc:sldMk cId="3694168926" sldId="1436"/>
-            <ac:spMk id="184" creationId="{9B7D2E15-333E-E325-F472-026329B9C7EA}"/>
-          </ac:spMkLst>
-        </pc:spChg>
-        <pc:spChg chg="mod">
-          <ac:chgData name="Lines, Todd" userId="afaf7c3a-e8aa-4568-882a-02ad8f9e19b0" providerId="ADAL" clId="{18C51731-65D7-4D63-A13A-C35379499D4F}" dt="2023-11-04T22:47:49.125" v="75" actId="165"/>
-          <ac:spMkLst>
-            <pc:docMk/>
-            <pc:sldMk cId="3694168926" sldId="1436"/>
-            <ac:spMk id="185" creationId="{68C73A1A-C8DD-AC85-209C-ECAC75ADC82D}"/>
-          </ac:spMkLst>
-        </pc:spChg>
-        <pc:spChg chg="mod">
-          <ac:chgData name="Lines, Todd" userId="afaf7c3a-e8aa-4568-882a-02ad8f9e19b0" providerId="ADAL" clId="{18C51731-65D7-4D63-A13A-C35379499D4F}" dt="2023-11-04T22:47:49.125" v="75" actId="165"/>
-          <ac:spMkLst>
-            <pc:docMk/>
-            <pc:sldMk cId="3694168926" sldId="1436"/>
-            <ac:spMk id="186" creationId="{43DCC906-66D8-F50D-1688-371C4BD59FCD}"/>
-          </ac:spMkLst>
-        </pc:spChg>
-        <pc:spChg chg="mod">
-          <ac:chgData name="Lines, Todd" userId="afaf7c3a-e8aa-4568-882a-02ad8f9e19b0" providerId="ADAL" clId="{18C51731-65D7-4D63-A13A-C35379499D4F}" dt="2023-11-04T22:47:49.125" v="75" actId="165"/>
-          <ac:spMkLst>
-            <pc:docMk/>
-            <pc:sldMk cId="3694168926" sldId="1436"/>
-            <ac:spMk id="187" creationId="{C3EF8257-3439-9E7D-FD9C-9564FDE0BC52}"/>
-          </ac:spMkLst>
-        </pc:spChg>
-        <pc:spChg chg="mod">
-          <ac:chgData name="Lines, Todd" userId="afaf7c3a-e8aa-4568-882a-02ad8f9e19b0" providerId="ADAL" clId="{18C51731-65D7-4D63-A13A-C35379499D4F}" dt="2023-11-04T22:47:49.125" v="75" actId="165"/>
-          <ac:spMkLst>
-            <pc:docMk/>
-            <pc:sldMk cId="3694168926" sldId="1436"/>
-            <ac:spMk id="188" creationId="{7BFA50DC-6EC9-DDDC-3E80-6C8427312F1A}"/>
-          </ac:spMkLst>
-        </pc:spChg>
-        <pc:spChg chg="mod">
-          <ac:chgData name="Lines, Todd" userId="afaf7c3a-e8aa-4568-882a-02ad8f9e19b0" providerId="ADAL" clId="{18C51731-65D7-4D63-A13A-C35379499D4F}" dt="2023-11-04T22:47:49.125" v="75" actId="165"/>
-          <ac:spMkLst>
-            <pc:docMk/>
-            <pc:sldMk cId="3694168926" sldId="1436"/>
-            <ac:spMk id="189" creationId="{618C91D9-6ADC-4E9F-3DAB-681BBFB55CF4}"/>
-          </ac:spMkLst>
-        </pc:spChg>
-        <pc:spChg chg="mod">
-          <ac:chgData name="Lines, Todd" userId="afaf7c3a-e8aa-4568-882a-02ad8f9e19b0" providerId="ADAL" clId="{18C51731-65D7-4D63-A13A-C35379499D4F}" dt="2023-11-04T22:47:49.125" v="75" actId="165"/>
-          <ac:spMkLst>
-            <pc:docMk/>
-            <pc:sldMk cId="3694168926" sldId="1436"/>
-            <ac:spMk id="190" creationId="{211583B2-647D-1D32-1B2B-1894FE70E895}"/>
-          </ac:spMkLst>
-        </pc:spChg>
-        <pc:spChg chg="mod">
-          <ac:chgData name="Lines, Todd" userId="afaf7c3a-e8aa-4568-882a-02ad8f9e19b0" providerId="ADAL" clId="{18C51731-65D7-4D63-A13A-C35379499D4F}" dt="2023-11-04T22:47:49.125" v="75" actId="165"/>
-          <ac:spMkLst>
-            <pc:docMk/>
-            <pc:sldMk cId="3694168926" sldId="1436"/>
-            <ac:spMk id="191" creationId="{62A9BFD8-13FB-58D3-BC6F-F6C48816AB69}"/>
-          </ac:spMkLst>
-        </pc:spChg>
-        <pc:spChg chg="mod">
-          <ac:chgData name="Lines, Todd" userId="afaf7c3a-e8aa-4568-882a-02ad8f9e19b0" providerId="ADAL" clId="{18C51731-65D7-4D63-A13A-C35379499D4F}" dt="2023-11-04T22:47:49.125" v="75" actId="165"/>
-          <ac:spMkLst>
-            <pc:docMk/>
-            <pc:sldMk cId="3694168926" sldId="1436"/>
-            <ac:spMk id="192" creationId="{E8767EF8-FEDB-D2BB-649D-AA693F80A06D}"/>
-          </ac:spMkLst>
-        </pc:spChg>
-        <pc:spChg chg="mod">
-          <ac:chgData name="Lines, Todd" userId="afaf7c3a-e8aa-4568-882a-02ad8f9e19b0" providerId="ADAL" clId="{18C51731-65D7-4D63-A13A-C35379499D4F}" dt="2023-11-04T22:47:49.125" v="75" actId="165"/>
-          <ac:spMkLst>
-            <pc:docMk/>
-            <pc:sldMk cId="3694168926" sldId="1436"/>
-            <ac:spMk id="193" creationId="{576F3033-149F-414E-49C7-DFD51266EE68}"/>
-          </ac:spMkLst>
-        </pc:spChg>
-        <pc:spChg chg="mod">
-          <ac:chgData name="Lines, Todd" userId="afaf7c3a-e8aa-4568-882a-02ad8f9e19b0" providerId="ADAL" clId="{18C51731-65D7-4D63-A13A-C35379499D4F}" dt="2023-11-04T22:47:49.125" v="75" actId="165"/>
-          <ac:spMkLst>
-            <pc:docMk/>
-            <pc:sldMk cId="3694168926" sldId="1436"/>
-            <ac:spMk id="194" creationId="{B2307219-6704-3125-98A1-0C8924D16D62}"/>
-          </ac:spMkLst>
-        </pc:spChg>
-        <pc:spChg chg="mod">
-          <ac:chgData name="Lines, Todd" userId="afaf7c3a-e8aa-4568-882a-02ad8f9e19b0" providerId="ADAL" clId="{18C51731-65D7-4D63-A13A-C35379499D4F}" dt="2023-11-04T22:47:49.125" v="75" actId="165"/>
-          <ac:spMkLst>
-            <pc:docMk/>
-            <pc:sldMk cId="3694168926" sldId="1436"/>
-            <ac:spMk id="195" creationId="{7DC9936D-6E91-86C5-2F7A-79A700F2FADF}"/>
-          </ac:spMkLst>
-        </pc:spChg>
-        <pc:spChg chg="mod">
-          <ac:chgData name="Lines, Todd" userId="afaf7c3a-e8aa-4568-882a-02ad8f9e19b0" providerId="ADAL" clId="{18C51731-65D7-4D63-A13A-C35379499D4F}" dt="2023-11-04T22:47:49.125" v="75" actId="165"/>
-          <ac:spMkLst>
-            <pc:docMk/>
-            <pc:sldMk cId="3694168926" sldId="1436"/>
-            <ac:spMk id="196" creationId="{384AB62F-FE88-56E9-B90E-2E0CC0452979}"/>
-          </ac:spMkLst>
-        </pc:spChg>
-        <pc:spChg chg="mod">
-          <ac:chgData name="Lines, Todd" userId="afaf7c3a-e8aa-4568-882a-02ad8f9e19b0" providerId="ADAL" clId="{18C51731-65D7-4D63-A13A-C35379499D4F}" dt="2023-11-04T22:47:49.125" v="75" actId="165"/>
-          <ac:spMkLst>
-            <pc:docMk/>
-            <pc:sldMk cId="3694168926" sldId="1436"/>
-            <ac:spMk id="197" creationId="{4573C63B-5CDF-DFFD-6C62-09231E8899B1}"/>
-          </ac:spMkLst>
-        </pc:spChg>
-        <pc:spChg chg="mod">
-          <ac:chgData name="Lines, Todd" userId="afaf7c3a-e8aa-4568-882a-02ad8f9e19b0" providerId="ADAL" clId="{18C51731-65D7-4D63-A13A-C35379499D4F}" dt="2023-11-04T22:47:49.125" v="75" actId="165"/>
-          <ac:spMkLst>
-            <pc:docMk/>
-            <pc:sldMk cId="3694168926" sldId="1436"/>
-            <ac:spMk id="198" creationId="{A0EEFEE2-0261-E4BA-D896-8B5B946ED4A0}"/>
-          </ac:spMkLst>
-        </pc:spChg>
-        <pc:spChg chg="mod">
-          <ac:chgData name="Lines, Todd" userId="afaf7c3a-e8aa-4568-882a-02ad8f9e19b0" providerId="ADAL" clId="{18C51731-65D7-4D63-A13A-C35379499D4F}" dt="2023-11-04T22:47:49.125" v="75" actId="165"/>
-          <ac:spMkLst>
-            <pc:docMk/>
-            <pc:sldMk cId="3694168926" sldId="1436"/>
-            <ac:spMk id="199" creationId="{0A92F064-0463-C53E-D637-433679FC60A9}"/>
-          </ac:spMkLst>
-        </pc:spChg>
-        <pc:spChg chg="mod">
-          <ac:chgData name="Lines, Todd" userId="afaf7c3a-e8aa-4568-882a-02ad8f9e19b0" providerId="ADAL" clId="{18C51731-65D7-4D63-A13A-C35379499D4F}" dt="2023-11-04T22:47:49.125" v="75" actId="165"/>
-          <ac:spMkLst>
-            <pc:docMk/>
-            <pc:sldMk cId="3694168926" sldId="1436"/>
-            <ac:spMk id="200" creationId="{EB9A0972-206C-5548-09E3-93B0F45096AD}"/>
-          </ac:spMkLst>
-        </pc:spChg>
-        <pc:spChg chg="add mod ord">
-          <ac:chgData name="Lines, Todd" userId="afaf7c3a-e8aa-4568-882a-02ad8f9e19b0" providerId="ADAL" clId="{18C51731-65D7-4D63-A13A-C35379499D4F}" dt="2023-11-04T22:50:01.280" v="106" actId="20577"/>
-          <ac:spMkLst>
-            <pc:docMk/>
-            <pc:sldMk cId="3694168926" sldId="1436"/>
-            <ac:spMk id="201" creationId="{33761BE2-103D-0B56-FF50-D408F4E7CAE2}"/>
-          </ac:spMkLst>
-        </pc:spChg>
-        <pc:spChg chg="add mod ord">
-          <ac:chgData name="Lines, Todd" userId="afaf7c3a-e8aa-4568-882a-02ad8f9e19b0" providerId="ADAL" clId="{18C51731-65D7-4D63-A13A-C35379499D4F}" dt="2023-11-04T22:50:39.132" v="207" actId="11"/>
-          <ac:spMkLst>
-            <pc:docMk/>
-            <pc:sldMk cId="3694168926" sldId="1436"/>
-            <ac:spMk id="202" creationId="{D1106D53-CD60-3D92-EBDD-E1B1C9EA11D7}"/>
-          </ac:spMkLst>
-        </pc:spChg>
-        <pc:grpChg chg="add del mod">
-          <ac:chgData name="Lines, Todd" userId="afaf7c3a-e8aa-4568-882a-02ad8f9e19b0" providerId="ADAL" clId="{18C51731-65D7-4D63-A13A-C35379499D4F}" dt="2023-11-04T22:47:49.125" v="75" actId="165"/>
-          <ac:grpSpMkLst>
-            <pc:docMk/>
-            <pc:sldMk cId="3694168926" sldId="1436"/>
-            <ac:grpSpMk id="2" creationId="{B2A4BCDD-90EE-CE78-0893-D0C0DE439187}"/>
-          </ac:grpSpMkLst>
-        </pc:grpChg>
-        <pc:grpChg chg="del mod topLvl">
-          <ac:chgData name="Lines, Todd" userId="afaf7c3a-e8aa-4568-882a-02ad8f9e19b0" providerId="ADAL" clId="{18C51731-65D7-4D63-A13A-C35379499D4F}" dt="2023-11-04T22:48:57.910" v="85" actId="478"/>
-          <ac:grpSpMkLst>
-            <pc:docMk/>
-            <pc:sldMk cId="3694168926" sldId="1436"/>
-            <ac:grpSpMk id="43" creationId="{54628038-0127-55A6-C4B5-7017FB842F98}"/>
-          </ac:grpSpMkLst>
-        </pc:grpChg>
-        <pc:grpChg chg="del mod topLvl">
-          <ac:chgData name="Lines, Todd" userId="afaf7c3a-e8aa-4568-882a-02ad8f9e19b0" providerId="ADAL" clId="{18C51731-65D7-4D63-A13A-C35379499D4F}" dt="2023-11-04T22:48:57.910" v="85" actId="478"/>
-          <ac:grpSpMkLst>
-            <pc:docMk/>
-            <pc:sldMk cId="3694168926" sldId="1436"/>
-            <ac:grpSpMk id="44" creationId="{4E4FA32D-71D0-1187-6DB5-C3F04D66962C}"/>
-          </ac:grpSpMkLst>
-        </pc:grpChg>
-        <pc:grpChg chg="del mod topLvl">
-          <ac:chgData name="Lines, Todd" userId="afaf7c3a-e8aa-4568-882a-02ad8f9e19b0" providerId="ADAL" clId="{18C51731-65D7-4D63-A13A-C35379499D4F}" dt="2023-11-04T22:48:57.910" v="85" actId="478"/>
-          <ac:grpSpMkLst>
-            <pc:docMk/>
-            <pc:sldMk cId="3694168926" sldId="1436"/>
-            <ac:grpSpMk id="45" creationId="{9E5C2177-6EEC-16DA-5888-26D86D9DE085}"/>
-          </ac:grpSpMkLst>
-        </pc:grpChg>
-        <pc:grpChg chg="del mod topLvl">
-          <ac:chgData name="Lines, Todd" userId="afaf7c3a-e8aa-4568-882a-02ad8f9e19b0" providerId="ADAL" clId="{18C51731-65D7-4D63-A13A-C35379499D4F}" dt="2023-11-04T22:48:57.910" v="85" actId="478"/>
-          <ac:grpSpMkLst>
-            <pc:docMk/>
-            <pc:sldMk cId="3694168926" sldId="1436"/>
-            <ac:grpSpMk id="46" creationId="{65404349-359A-4041-9D36-EA7A39E20BEB}"/>
-          </ac:grpSpMkLst>
-        </pc:grpChg>
-        <pc:grpChg chg="del mod topLvl">
-          <ac:chgData name="Lines, Todd" userId="afaf7c3a-e8aa-4568-882a-02ad8f9e19b0" providerId="ADAL" clId="{18C51731-65D7-4D63-A13A-C35379499D4F}" dt="2023-11-04T22:48:57.910" v="85" actId="478"/>
-          <ac:grpSpMkLst>
-            <pc:docMk/>
-            <pc:sldMk cId="3694168926" sldId="1436"/>
-            <ac:grpSpMk id="47" creationId="{478D559F-47AE-B422-103A-81CE3EC1D2FA}"/>
-          </ac:grpSpMkLst>
-        </pc:grpChg>
-        <pc:grpChg chg="del mod topLvl">
-          <ac:chgData name="Lines, Todd" userId="afaf7c3a-e8aa-4568-882a-02ad8f9e19b0" providerId="ADAL" clId="{18C51731-65D7-4D63-A13A-C35379499D4F}" dt="2023-11-04T22:48:57.910" v="85" actId="478"/>
-          <ac:grpSpMkLst>
-            <pc:docMk/>
-            <pc:sldMk cId="3694168926" sldId="1436"/>
-            <ac:grpSpMk id="48" creationId="{9A3665EC-BBA1-CBA3-2B5A-B185255DB66A}"/>
-          </ac:grpSpMkLst>
-        </pc:grpChg>
-        <pc:grpChg chg="del mod topLvl">
-          <ac:chgData name="Lines, Todd" userId="afaf7c3a-e8aa-4568-882a-02ad8f9e19b0" providerId="ADAL" clId="{18C51731-65D7-4D63-A13A-C35379499D4F}" dt="2023-11-04T22:48:57.910" v="85" actId="478"/>
-          <ac:grpSpMkLst>
-            <pc:docMk/>
-            <pc:sldMk cId="3694168926" sldId="1436"/>
-            <ac:grpSpMk id="49" creationId="{94124C93-5BFE-6431-E629-7EB06900FDB4}"/>
-          </ac:grpSpMkLst>
-        </pc:grpChg>
-        <pc:grpChg chg="del mod topLvl">
-          <ac:chgData name="Lines, Todd" userId="afaf7c3a-e8aa-4568-882a-02ad8f9e19b0" providerId="ADAL" clId="{18C51731-65D7-4D63-A13A-C35379499D4F}" dt="2023-11-04T22:48:57.910" v="85" actId="478"/>
-          <ac:grpSpMkLst>
-            <pc:docMk/>
-            <pc:sldMk cId="3694168926" sldId="1436"/>
-            <ac:grpSpMk id="50" creationId="{6218B94B-38AB-09AD-9ABE-F14934C41064}"/>
-          </ac:grpSpMkLst>
-        </pc:grpChg>
-        <pc:grpChg chg="del mod topLvl">
-          <ac:chgData name="Lines, Todd" userId="afaf7c3a-e8aa-4568-882a-02ad8f9e19b0" providerId="ADAL" clId="{18C51731-65D7-4D63-A13A-C35379499D4F}" dt="2023-11-04T22:48:57.910" v="85" actId="478"/>
-          <ac:grpSpMkLst>
-            <pc:docMk/>
-            <pc:sldMk cId="3694168926" sldId="1436"/>
-            <ac:grpSpMk id="51" creationId="{4A560503-D8C8-8A9C-E8A5-C8EC09D296A5}"/>
-          </ac:grpSpMkLst>
-        </pc:grpChg>
-        <pc:grpChg chg="del mod topLvl">
-          <ac:chgData name="Lines, Todd" userId="afaf7c3a-e8aa-4568-882a-02ad8f9e19b0" providerId="ADAL" clId="{18C51731-65D7-4D63-A13A-C35379499D4F}" dt="2023-11-04T22:48:57.910" v="85" actId="478"/>
-          <ac:grpSpMkLst>
-            <pc:docMk/>
-            <pc:sldMk cId="3694168926" sldId="1436"/>
-            <ac:grpSpMk id="52" creationId="{B7589AF1-E45B-475B-9083-F1B83F34875C}"/>
-          </ac:grpSpMkLst>
-        </pc:grpChg>
-        <pc:grpChg chg="del mod topLvl">
-          <ac:chgData name="Lines, Todd" userId="afaf7c3a-e8aa-4568-882a-02ad8f9e19b0" providerId="ADAL" clId="{18C51731-65D7-4D63-A13A-C35379499D4F}" dt="2023-11-04T22:48:57.910" v="85" actId="478"/>
-          <ac:grpSpMkLst>
-            <pc:docMk/>
-            <pc:sldMk cId="3694168926" sldId="1436"/>
-            <ac:grpSpMk id="53" creationId="{6193DCCE-2255-4795-4A8A-FF2917B81F28}"/>
-          </ac:grpSpMkLst>
-        </pc:grpChg>
-        <pc:grpChg chg="del mod topLvl">
-          <ac:chgData name="Lines, Todd" userId="afaf7c3a-e8aa-4568-882a-02ad8f9e19b0" providerId="ADAL" clId="{18C51731-65D7-4D63-A13A-C35379499D4F}" dt="2023-11-04T22:48:57.910" v="85" actId="478"/>
-          <ac:grpSpMkLst>
-            <pc:docMk/>
-            <pc:sldMk cId="3694168926" sldId="1436"/>
-            <ac:grpSpMk id="54" creationId="{1371FD70-43CE-FD7B-104B-04EA0905C3C3}"/>
-          </ac:grpSpMkLst>
-        </pc:grpChg>
-        <pc:grpChg chg="del mod topLvl">
-          <ac:chgData name="Lines, Todd" userId="afaf7c3a-e8aa-4568-882a-02ad8f9e19b0" providerId="ADAL" clId="{18C51731-65D7-4D63-A13A-C35379499D4F}" dt="2023-11-04T22:48:57.910" v="85" actId="478"/>
-          <ac:grpSpMkLst>
-            <pc:docMk/>
-            <pc:sldMk cId="3694168926" sldId="1436"/>
-            <ac:grpSpMk id="55" creationId="{237BD451-5CC8-992A-B793-452FC9510B59}"/>
-          </ac:grpSpMkLst>
-        </pc:grpChg>
-        <pc:grpChg chg="del mod topLvl">
-          <ac:chgData name="Lines, Todd" userId="afaf7c3a-e8aa-4568-882a-02ad8f9e19b0" providerId="ADAL" clId="{18C51731-65D7-4D63-A13A-C35379499D4F}" dt="2023-11-04T22:48:57.910" v="85" actId="478"/>
-          <ac:grpSpMkLst>
-            <pc:docMk/>
-            <pc:sldMk cId="3694168926" sldId="1436"/>
-            <ac:grpSpMk id="56" creationId="{6373AD62-446C-3394-137C-FE697937E34F}"/>
-          </ac:grpSpMkLst>
-        </pc:grpChg>
-        <pc:grpChg chg="del mod topLvl">
-          <ac:chgData name="Lines, Todd" userId="afaf7c3a-e8aa-4568-882a-02ad8f9e19b0" providerId="ADAL" clId="{18C51731-65D7-4D63-A13A-C35379499D4F}" dt="2023-11-04T22:48:57.910" v="85" actId="478"/>
-          <ac:grpSpMkLst>
-            <pc:docMk/>
-            <pc:sldMk cId="3694168926" sldId="1436"/>
-            <ac:grpSpMk id="57" creationId="{FD596343-9E29-13C9-E9EA-6E767DA28472}"/>
-          </ac:grpSpMkLst>
-        </pc:grpChg>
-        <pc:grpChg chg="del mod topLvl">
-          <ac:chgData name="Lines, Todd" userId="afaf7c3a-e8aa-4568-882a-02ad8f9e19b0" providerId="ADAL" clId="{18C51731-65D7-4D63-A13A-C35379499D4F}" dt="2023-11-04T22:48:57.910" v="85" actId="478"/>
-          <ac:grpSpMkLst>
-            <pc:docMk/>
-            <pc:sldMk cId="3694168926" sldId="1436"/>
-            <ac:grpSpMk id="58" creationId="{6607EE59-8BD4-4693-7529-8F0C03358A44}"/>
-          </ac:grpSpMkLst>
-        </pc:grpChg>
-        <pc:grpChg chg="del mod topLvl">
-          <ac:chgData name="Lines, Todd" userId="afaf7c3a-e8aa-4568-882a-02ad8f9e19b0" providerId="ADAL" clId="{18C51731-65D7-4D63-A13A-C35379499D4F}" dt="2023-11-04T22:48:57.910" v="85" actId="478"/>
-          <ac:grpSpMkLst>
-            <pc:docMk/>
-            <pc:sldMk cId="3694168926" sldId="1436"/>
-            <ac:grpSpMk id="59" creationId="{4DDEECFF-57EB-5BA6-467B-3E29D3709340}"/>
-          </ac:grpSpMkLst>
-        </pc:grpChg>
-        <pc:grpChg chg="del mod topLvl">
-          <ac:chgData name="Lines, Todd" userId="afaf7c3a-e8aa-4568-882a-02ad8f9e19b0" providerId="ADAL" clId="{18C51731-65D7-4D63-A13A-C35379499D4F}" dt="2023-11-04T22:49:36.369" v="93" actId="478"/>
-          <ac:grpSpMkLst>
-            <pc:docMk/>
-            <pc:sldMk cId="3694168926" sldId="1436"/>
-            <ac:grpSpMk id="60" creationId="{CDAB923F-908B-1A14-5FC2-6841C28B351B}"/>
-          </ac:grpSpMkLst>
-        </pc:grpChg>
-        <pc:grpChg chg="del mod topLvl">
-          <ac:chgData name="Lines, Todd" userId="afaf7c3a-e8aa-4568-882a-02ad8f9e19b0" providerId="ADAL" clId="{18C51731-65D7-4D63-A13A-C35379499D4F}" dt="2023-11-04T22:49:10.604" v="89" actId="478"/>
-          <ac:grpSpMkLst>
-            <pc:docMk/>
-            <pc:sldMk cId="3694168926" sldId="1436"/>
-            <ac:grpSpMk id="61" creationId="{8C8C1182-5256-4B50-C68A-EF9A7BF81752}"/>
-          </ac:grpSpMkLst>
-        </pc:grpChg>
-        <pc:grpChg chg="del mod topLvl">
-          <ac:chgData name="Lines, Todd" userId="afaf7c3a-e8aa-4568-882a-02ad8f9e19b0" providerId="ADAL" clId="{18C51731-65D7-4D63-A13A-C35379499D4F}" dt="2023-11-04T22:49:10.604" v="89" actId="478"/>
-          <ac:grpSpMkLst>
-            <pc:docMk/>
-            <pc:sldMk cId="3694168926" sldId="1436"/>
-            <ac:grpSpMk id="62" creationId="{F34DF7B0-2212-8029-6931-FD223D9CEC69}"/>
-          </ac:grpSpMkLst>
-        </pc:grpChg>
-        <pc:grpChg chg="del mod topLvl">
-          <ac:chgData name="Lines, Todd" userId="afaf7c3a-e8aa-4568-882a-02ad8f9e19b0" providerId="ADAL" clId="{18C51731-65D7-4D63-A13A-C35379499D4F}" dt="2023-11-04T22:49:10.604" v="89" actId="478"/>
-          <ac:grpSpMkLst>
-            <pc:docMk/>
-            <pc:sldMk cId="3694168926" sldId="1436"/>
-            <ac:grpSpMk id="63" creationId="{749C6410-3D73-F2C0-DE50-8A2977296E93}"/>
-          </ac:grpSpMkLst>
-        </pc:grpChg>
-        <pc:grpChg chg="del mod topLvl">
-          <ac:chgData name="Lines, Todd" userId="afaf7c3a-e8aa-4568-882a-02ad8f9e19b0" providerId="ADAL" clId="{18C51731-65D7-4D63-A13A-C35379499D4F}" dt="2023-11-04T22:49:10.604" v="89" actId="478"/>
-          <ac:grpSpMkLst>
-            <pc:docMk/>
-            <pc:sldMk cId="3694168926" sldId="1436"/>
-            <ac:grpSpMk id="64" creationId="{59C98609-E011-0428-7118-60BF64185740}"/>
-          </ac:grpSpMkLst>
-        </pc:grpChg>
-        <pc:grpChg chg="del mod topLvl">
-          <ac:chgData name="Lines, Todd" userId="afaf7c3a-e8aa-4568-882a-02ad8f9e19b0" providerId="ADAL" clId="{18C51731-65D7-4D63-A13A-C35379499D4F}" dt="2023-11-04T22:49:10.604" v="89" actId="478"/>
-          <ac:grpSpMkLst>
-            <pc:docMk/>
-            <pc:sldMk cId="3694168926" sldId="1436"/>
-            <ac:grpSpMk id="65" creationId="{BBC27215-8858-657F-5A1D-C48D9DF2A4D2}"/>
-          </ac:grpSpMkLst>
-        </pc:grpChg>
-        <pc:grpChg chg="del mod topLvl">
-          <ac:chgData name="Lines, Todd" userId="afaf7c3a-e8aa-4568-882a-02ad8f9e19b0" providerId="ADAL" clId="{18C51731-65D7-4D63-A13A-C35379499D4F}" dt="2023-11-04T22:49:10.604" v="89" actId="478"/>
-          <ac:grpSpMkLst>
-            <pc:docMk/>
-            <pc:sldMk cId="3694168926" sldId="1436"/>
-            <ac:grpSpMk id="66" creationId="{554CC7D2-0E1D-5DB3-2F9F-FCD46B2855D3}"/>
-          </ac:grpSpMkLst>
-        </pc:grpChg>
-        <pc:grpChg chg="del mod topLvl">
-          <ac:chgData name="Lines, Todd" userId="afaf7c3a-e8aa-4568-882a-02ad8f9e19b0" providerId="ADAL" clId="{18C51731-65D7-4D63-A13A-C35379499D4F}" dt="2023-11-04T22:49:10.604" v="89" actId="478"/>
-          <ac:grpSpMkLst>
-            <pc:docMk/>
-            <pc:sldMk cId="3694168926" sldId="1436"/>
-            <ac:grpSpMk id="67" creationId="{470DBF17-A8BB-F0CB-CE40-426F561C45EF}"/>
-          </ac:grpSpMkLst>
-        </pc:grpChg>
-        <pc:grpChg chg="del mod topLvl">
-          <ac:chgData name="Lines, Todd" userId="afaf7c3a-e8aa-4568-882a-02ad8f9e19b0" providerId="ADAL" clId="{18C51731-65D7-4D63-A13A-C35379499D4F}" dt="2023-11-04T22:49:10.604" v="89" actId="478"/>
-          <ac:grpSpMkLst>
-            <pc:docMk/>
-            <pc:sldMk cId="3694168926" sldId="1436"/>
-            <ac:grpSpMk id="68" creationId="{C7150B45-0E1A-0828-66C6-559F92AB07DA}"/>
-          </ac:grpSpMkLst>
-        </pc:grpChg>
-        <pc:grpChg chg="del mod topLvl">
-          <ac:chgData name="Lines, Todd" userId="afaf7c3a-e8aa-4568-882a-02ad8f9e19b0" providerId="ADAL" clId="{18C51731-65D7-4D63-A13A-C35379499D4F}" dt="2023-11-04T22:49:10.604" v="89" actId="478"/>
-          <ac:grpSpMkLst>
-            <pc:docMk/>
-            <pc:sldMk cId="3694168926" sldId="1436"/>
-            <ac:grpSpMk id="69" creationId="{CF1ABD3B-0F96-DEA3-549B-53545A034BBD}"/>
-          </ac:grpSpMkLst>
-        </pc:grpChg>
-        <pc:grpChg chg="del mod topLvl">
-          <ac:chgData name="Lines, Todd" userId="afaf7c3a-e8aa-4568-882a-02ad8f9e19b0" providerId="ADAL" clId="{18C51731-65D7-4D63-A13A-C35379499D4F}" dt="2023-11-04T22:49:10.604" v="89" actId="478"/>
-          <ac:grpSpMkLst>
-            <pc:docMk/>
-            <pc:sldMk cId="3694168926" sldId="1436"/>
-            <ac:grpSpMk id="70" creationId="{4D812A68-4101-B76C-2F03-9DF12B4B28F0}"/>
-          </ac:grpSpMkLst>
-        </pc:grpChg>
-        <pc:grpChg chg="del mod topLvl">
-          <ac:chgData name="Lines, Todd" userId="afaf7c3a-e8aa-4568-882a-02ad8f9e19b0" providerId="ADAL" clId="{18C51731-65D7-4D63-A13A-C35379499D4F}" dt="2023-11-04T22:49:10.604" v="89" actId="478"/>
-          <ac:grpSpMkLst>
-            <pc:docMk/>
-            <pc:sldMk cId="3694168926" sldId="1436"/>
-            <ac:grpSpMk id="71" creationId="{21D76C20-DF19-BE60-9412-5E863ACD08E4}"/>
-          </ac:grpSpMkLst>
-        </pc:grpChg>
-        <pc:grpChg chg="del mod topLvl">
-          <ac:chgData name="Lines, Todd" userId="afaf7c3a-e8aa-4568-882a-02ad8f9e19b0" providerId="ADAL" clId="{18C51731-65D7-4D63-A13A-C35379499D4F}" dt="2023-11-04T22:49:10.604" v="89" actId="478"/>
-          <ac:grpSpMkLst>
-            <pc:docMk/>
-            <pc:sldMk cId="3694168926" sldId="1436"/>
-            <ac:grpSpMk id="72" creationId="{4B9B35EF-AB2F-D447-A73F-AA760831A7A0}"/>
-          </ac:grpSpMkLst>
-        </pc:grpChg>
-        <pc:grpChg chg="del mod topLvl">
-          <ac:chgData name="Lines, Todd" userId="afaf7c3a-e8aa-4568-882a-02ad8f9e19b0" providerId="ADAL" clId="{18C51731-65D7-4D63-A13A-C35379499D4F}" dt="2023-11-04T22:49:18.147" v="91" actId="478"/>
-          <ac:grpSpMkLst>
-            <pc:docMk/>
-            <pc:sldMk cId="3694168926" sldId="1436"/>
-            <ac:grpSpMk id="73" creationId="{DB682587-D0CD-2D54-1F1F-2C5C95AB3378}"/>
-          </ac:grpSpMkLst>
-        </pc:grpChg>
-        <pc:grpChg chg="del mod topLvl">
-          <ac:chgData name="Lines, Todd" userId="afaf7c3a-e8aa-4568-882a-02ad8f9e19b0" providerId="ADAL" clId="{18C51731-65D7-4D63-A13A-C35379499D4F}" dt="2023-11-04T22:49:43.469" v="95" actId="478"/>
-          <ac:grpSpMkLst>
-            <pc:docMk/>
-            <pc:sldMk cId="3694168926" sldId="1436"/>
-            <ac:grpSpMk id="74" creationId="{89FE7FD4-9B78-D818-5258-0F55EA706399}"/>
-          </ac:grpSpMkLst>
-        </pc:grpChg>
-        <pc:grpChg chg="del mod topLvl">
-          <ac:chgData name="Lines, Todd" userId="afaf7c3a-e8aa-4568-882a-02ad8f9e19b0" providerId="ADAL" clId="{18C51731-65D7-4D63-A13A-C35379499D4F}" dt="2023-11-04T22:49:13.985" v="90" actId="478"/>
-          <ac:grpSpMkLst>
-            <pc:docMk/>
-            <pc:sldMk cId="3694168926" sldId="1436"/>
-            <ac:grpSpMk id="75" creationId="{2D0D18D2-F09E-7E0B-B6F1-E7323472C349}"/>
-          </ac:grpSpMkLst>
-        </pc:grpChg>
-        <pc:grpChg chg="del mod topLvl">
-          <ac:chgData name="Lines, Todd" userId="afaf7c3a-e8aa-4568-882a-02ad8f9e19b0" providerId="ADAL" clId="{18C51731-65D7-4D63-A13A-C35379499D4F}" dt="2023-11-04T22:49:13.985" v="90" actId="478"/>
-          <ac:grpSpMkLst>
-            <pc:docMk/>
-            <pc:sldMk cId="3694168926" sldId="1436"/>
-            <ac:grpSpMk id="76" creationId="{496FB766-B732-D141-07F2-D358A4D845DB}"/>
-          </ac:grpSpMkLst>
-        </pc:grpChg>
-        <pc:grpChg chg="del mod topLvl">
-          <ac:chgData name="Lines, Todd" userId="afaf7c3a-e8aa-4568-882a-02ad8f9e19b0" providerId="ADAL" clId="{18C51731-65D7-4D63-A13A-C35379499D4F}" dt="2023-11-04T22:49:13.985" v="90" actId="478"/>
-          <ac:grpSpMkLst>
-            <pc:docMk/>
-            <pc:sldMk cId="3694168926" sldId="1436"/>
-            <ac:grpSpMk id="77" creationId="{51ADDF8E-8AED-CE18-87E6-FAE0A9F11BED}"/>
-          </ac:grpSpMkLst>
-        </pc:grpChg>
-        <pc:grpChg chg="del mod topLvl">
-          <ac:chgData name="Lines, Todd" userId="afaf7c3a-e8aa-4568-882a-02ad8f9e19b0" providerId="ADAL" clId="{18C51731-65D7-4D63-A13A-C35379499D4F}" dt="2023-11-04T22:49:13.985" v="90" actId="478"/>
-          <ac:grpSpMkLst>
-            <pc:docMk/>
-            <pc:sldMk cId="3694168926" sldId="1436"/>
-            <ac:grpSpMk id="78" creationId="{F1954652-4F7F-4F4F-6F57-150108B8FA84}"/>
-          </ac:grpSpMkLst>
-        </pc:grpChg>
-        <pc:grpChg chg="del mod topLvl">
-          <ac:chgData name="Lines, Todd" userId="afaf7c3a-e8aa-4568-882a-02ad8f9e19b0" providerId="ADAL" clId="{18C51731-65D7-4D63-A13A-C35379499D4F}" dt="2023-11-04T22:49:03.522" v="87" actId="478"/>
-          <ac:grpSpMkLst>
-            <pc:docMk/>
-            <pc:sldMk cId="3694168926" sldId="1436"/>
-            <ac:grpSpMk id="79" creationId="{FCC60408-D193-8DE6-3314-DD09697EA915}"/>
-          </ac:grpSpMkLst>
-        </pc:grpChg>
-        <pc:grpChg chg="del mod topLvl">
-          <ac:chgData name="Lines, Todd" userId="afaf7c3a-e8aa-4568-882a-02ad8f9e19b0" providerId="ADAL" clId="{18C51731-65D7-4D63-A13A-C35379499D4F}" dt="2023-11-04T22:49:03.522" v="87" actId="478"/>
-          <ac:grpSpMkLst>
-            <pc:docMk/>
-            <pc:sldMk cId="3694168926" sldId="1436"/>
-            <ac:grpSpMk id="80" creationId="{B812182C-B599-5C2E-1CFB-EEB6ECC6CA59}"/>
-          </ac:grpSpMkLst>
-        </pc:grpChg>
-        <pc:grpChg chg="del mod topLvl">
-          <ac:chgData name="Lines, Todd" userId="afaf7c3a-e8aa-4568-882a-02ad8f9e19b0" providerId="ADAL" clId="{18C51731-65D7-4D63-A13A-C35379499D4F}" dt="2023-11-04T22:49:03.522" v="87" actId="478"/>
-          <ac:grpSpMkLst>
-            <pc:docMk/>
-            <pc:sldMk cId="3694168926" sldId="1436"/>
-            <ac:grpSpMk id="81" creationId="{6563CE7D-D255-B491-67DF-D845783F5989}"/>
-          </ac:grpSpMkLst>
-        </pc:grpChg>
-        <pc:grpChg chg="del mod topLvl">
-          <ac:chgData name="Lines, Todd" userId="afaf7c3a-e8aa-4568-882a-02ad8f9e19b0" providerId="ADAL" clId="{18C51731-65D7-4D63-A13A-C35379499D4F}" dt="2023-11-04T22:49:03.522" v="87" actId="478"/>
-          <ac:grpSpMkLst>
-            <pc:docMk/>
-            <pc:sldMk cId="3694168926" sldId="1436"/>
-            <ac:grpSpMk id="82" creationId="{523E51A7-D7BA-515E-A026-0AC9F29D7ABA}"/>
-          </ac:grpSpMkLst>
-        </pc:grpChg>
-        <pc:grpChg chg="del mod topLvl">
-          <ac:chgData name="Lines, Todd" userId="afaf7c3a-e8aa-4568-882a-02ad8f9e19b0" providerId="ADAL" clId="{18C51731-65D7-4D63-A13A-C35379499D4F}" dt="2023-11-04T22:49:05.985" v="88" actId="478"/>
-          <ac:grpSpMkLst>
-            <pc:docMk/>
-            <pc:sldMk cId="3694168926" sldId="1436"/>
-            <ac:grpSpMk id="83" creationId="{F6EC52D5-DFF7-F5A0-DFA3-29EA1063CF23}"/>
-          </ac:grpSpMkLst>
-        </pc:grpChg>
-        <pc:grpChg chg="del mod topLvl">
-          <ac:chgData name="Lines, Todd" userId="afaf7c3a-e8aa-4568-882a-02ad8f9e19b0" providerId="ADAL" clId="{18C51731-65D7-4D63-A13A-C35379499D4F}" dt="2023-11-04T22:49:05.985" v="88" actId="478"/>
-          <ac:grpSpMkLst>
-            <pc:docMk/>
-            <pc:sldMk cId="3694168926" sldId="1436"/>
-            <ac:grpSpMk id="84" creationId="{73A36898-E466-F2D0-3BA8-9625D49EC4DF}"/>
-          </ac:grpSpMkLst>
-        </pc:grpChg>
-        <pc:grpChg chg="del mod topLvl">
-          <ac:chgData name="Lines, Todd" userId="afaf7c3a-e8aa-4568-882a-02ad8f9e19b0" providerId="ADAL" clId="{18C51731-65D7-4D63-A13A-C35379499D4F}" dt="2023-11-04T22:49:03.522" v="87" actId="478"/>
-          <ac:grpSpMkLst>
-            <pc:docMk/>
-            <pc:sldMk cId="3694168926" sldId="1436"/>
-            <ac:grpSpMk id="85" creationId="{70BB8B0B-BFF6-6C79-6C2B-AAB6D54CFC3C}"/>
-          </ac:grpSpMkLst>
-        </pc:grpChg>
-        <pc:grpChg chg="del mod topLvl">
-          <ac:chgData name="Lines, Todd" userId="afaf7c3a-e8aa-4568-882a-02ad8f9e19b0" providerId="ADAL" clId="{18C51731-65D7-4D63-A13A-C35379499D4F}" dt="2023-11-04T22:49:03.522" v="87" actId="478"/>
-          <ac:grpSpMkLst>
-            <pc:docMk/>
-            <pc:sldMk cId="3694168926" sldId="1436"/>
-            <ac:grpSpMk id="86" creationId="{7CB4A056-93D4-86BF-C202-364DA8C152FD}"/>
-          </ac:grpSpMkLst>
-        </pc:grpChg>
-        <pc:grpChg chg="del mod topLvl">
-          <ac:chgData name="Lines, Todd" userId="afaf7c3a-e8aa-4568-882a-02ad8f9e19b0" providerId="ADAL" clId="{18C51731-65D7-4D63-A13A-C35379499D4F}" dt="2023-11-04T22:49:05.985" v="88" actId="478"/>
-          <ac:grpSpMkLst>
-            <pc:docMk/>
-            <pc:sldMk cId="3694168926" sldId="1436"/>
-            <ac:grpSpMk id="87" creationId="{A780F55A-2DAD-DE29-4EF0-FE2C66B38838}"/>
-          </ac:grpSpMkLst>
-        </pc:grpChg>
-        <pc:grpChg chg="del mod topLvl">
-          <ac:chgData name="Lines, Todd" userId="afaf7c3a-e8aa-4568-882a-02ad8f9e19b0" providerId="ADAL" clId="{18C51731-65D7-4D63-A13A-C35379499D4F}" dt="2023-11-04T22:49:00.798" v="86" actId="478"/>
-          <ac:grpSpMkLst>
-            <pc:docMk/>
-            <pc:sldMk cId="3694168926" sldId="1436"/>
-            <ac:grpSpMk id="88" creationId="{4FE01752-F581-487F-B632-EBDBBF11CC3A}"/>
-          </ac:grpSpMkLst>
-        </pc:grpChg>
-        <pc:grpChg chg="del mod topLvl">
-          <ac:chgData name="Lines, Todd" userId="afaf7c3a-e8aa-4568-882a-02ad8f9e19b0" providerId="ADAL" clId="{18C51731-65D7-4D63-A13A-C35379499D4F}" dt="2023-11-04T22:49:00.798" v="86" actId="478"/>
-          <ac:grpSpMkLst>
-            <pc:docMk/>
-            <pc:sldMk cId="3694168926" sldId="1436"/>
-            <ac:grpSpMk id="89" creationId="{23D96615-F5F3-1DE2-5DE1-6B2D2C468DBC}"/>
-          </ac:grpSpMkLst>
-        </pc:grpChg>
-        <pc:grpChg chg="del mod topLvl">
-          <ac:chgData name="Lines, Todd" userId="afaf7c3a-e8aa-4568-882a-02ad8f9e19b0" providerId="ADAL" clId="{18C51731-65D7-4D63-A13A-C35379499D4F}" dt="2023-11-04T22:49:00.798" v="86" actId="478"/>
-          <ac:grpSpMkLst>
-            <pc:docMk/>
-            <pc:sldMk cId="3694168926" sldId="1436"/>
-            <ac:grpSpMk id="90" creationId="{497A5F35-2EC8-8360-35F4-A2AC6F99C8B9}"/>
-          </ac:grpSpMkLst>
-        </pc:grpChg>
-        <pc:grpChg chg="del mod topLvl">
-          <ac:chgData name="Lines, Todd" userId="afaf7c3a-e8aa-4568-882a-02ad8f9e19b0" providerId="ADAL" clId="{18C51731-65D7-4D63-A13A-C35379499D4F}" dt="2023-11-04T22:49:00.798" v="86" actId="478"/>
-          <ac:grpSpMkLst>
-            <pc:docMk/>
-            <pc:sldMk cId="3694168926" sldId="1436"/>
-            <ac:grpSpMk id="91" creationId="{1586A81D-E279-0095-440D-9BB6084FACE4}"/>
-          </ac:grpSpMkLst>
-        </pc:grpChg>
-        <pc:grpChg chg="del mod topLvl">
-          <ac:chgData name="Lines, Todd" userId="afaf7c3a-e8aa-4568-882a-02ad8f9e19b0" providerId="ADAL" clId="{18C51731-65D7-4D63-A13A-C35379499D4F}" dt="2023-11-04T22:49:00.798" v="86" actId="478"/>
-          <ac:grpSpMkLst>
-            <pc:docMk/>
-            <pc:sldMk cId="3694168926" sldId="1436"/>
-            <ac:grpSpMk id="92" creationId="{EDF1EFEC-B553-CE72-A5A9-C59CE9CCF3E4}"/>
-          </ac:grpSpMkLst>
-        </pc:grpChg>
-        <pc:grpChg chg="del mod topLvl">
-          <ac:chgData name="Lines, Todd" userId="afaf7c3a-e8aa-4568-882a-02ad8f9e19b0" providerId="ADAL" clId="{18C51731-65D7-4D63-A13A-C35379499D4F}" dt="2023-11-04T22:49:00.798" v="86" actId="478"/>
-          <ac:grpSpMkLst>
-            <pc:docMk/>
-            <pc:sldMk cId="3694168926" sldId="1436"/>
-            <ac:grpSpMk id="93" creationId="{ABD858F5-5650-A96D-9B68-664732F023C8}"/>
-          </ac:grpSpMkLst>
-        </pc:grpChg>
-        <pc:grpChg chg="del mod topLvl">
-          <ac:chgData name="Lines, Todd" userId="afaf7c3a-e8aa-4568-882a-02ad8f9e19b0" providerId="ADAL" clId="{18C51731-65D7-4D63-A13A-C35379499D4F}" dt="2023-11-04T22:49:00.798" v="86" actId="478"/>
-          <ac:grpSpMkLst>
-            <pc:docMk/>
-            <pc:sldMk cId="3694168926" sldId="1436"/>
-            <ac:grpSpMk id="94" creationId="{013F962E-B02D-F43F-88FA-83992038695D}"/>
-          </ac:grpSpMkLst>
-        </pc:grpChg>
       </pc:sldChg>
       <pc:sldChg chg="addSp modSp add">
         <pc:chgData name="Lines, Todd" userId="afaf7c3a-e8aa-4568-882a-02ad8f9e19b0" providerId="ADAL" clId="{18C51731-65D7-4D63-A13A-C35379499D4F}" dt="2023-11-04T22:52:37.040" v="209"/>
@@ -2163,30 +352,6 @@
           <pc:docMk/>
           <pc:sldMk cId="0" sldId="1437"/>
         </pc:sldMkLst>
-        <pc:spChg chg="add mod">
-          <ac:chgData name="Lines, Todd" userId="afaf7c3a-e8aa-4568-882a-02ad8f9e19b0" providerId="ADAL" clId="{18C51731-65D7-4D63-A13A-C35379499D4F}" dt="2023-11-04T22:52:37.040" v="209"/>
-          <ac:spMkLst>
-            <pc:docMk/>
-            <pc:sldMk cId="0" sldId="1437"/>
-            <ac:spMk id="5" creationId="{F886BB6F-856E-6874-5B3D-78FA8460911A}"/>
-          </ac:spMkLst>
-        </pc:spChg>
-        <pc:spChg chg="add mod">
-          <ac:chgData name="Lines, Todd" userId="afaf7c3a-e8aa-4568-882a-02ad8f9e19b0" providerId="ADAL" clId="{18C51731-65D7-4D63-A13A-C35379499D4F}" dt="2023-11-04T22:52:37.040" v="209"/>
-          <ac:spMkLst>
-            <pc:docMk/>
-            <pc:sldMk cId="0" sldId="1437"/>
-            <ac:spMk id="6" creationId="{A1E324EC-E528-AD11-C10E-16BED96366FF}"/>
-          </ac:spMkLst>
-        </pc:spChg>
-        <pc:spChg chg="add mod">
-          <ac:chgData name="Lines, Todd" userId="afaf7c3a-e8aa-4568-882a-02ad8f9e19b0" providerId="ADAL" clId="{18C51731-65D7-4D63-A13A-C35379499D4F}" dt="2023-11-04T22:52:37.040" v="209"/>
-          <ac:spMkLst>
-            <pc:docMk/>
-            <pc:sldMk cId="0" sldId="1437"/>
-            <ac:spMk id="7" creationId="{F74B038D-90F6-BFD6-9B6E-72F15094BF76}"/>
-          </ac:spMkLst>
-        </pc:spChg>
       </pc:sldChg>
       <pc:sldChg chg="addSp delSp modSp new mod">
         <pc:chgData name="Lines, Todd" userId="afaf7c3a-e8aa-4568-882a-02ad8f9e19b0" providerId="ADAL" clId="{18C51731-65D7-4D63-A13A-C35379499D4F}" dt="2023-11-04T22:58:41.015" v="509" actId="5793"/>
@@ -2194,38 +359,6 @@
           <pc:docMk/>
           <pc:sldMk cId="1719002537" sldId="1438"/>
         </pc:sldMkLst>
-        <pc:spChg chg="mod">
-          <ac:chgData name="Lines, Todd" userId="afaf7c3a-e8aa-4568-882a-02ad8f9e19b0" providerId="ADAL" clId="{18C51731-65D7-4D63-A13A-C35379499D4F}" dt="2023-11-04T22:55:13.699" v="223" actId="20577"/>
-          <ac:spMkLst>
-            <pc:docMk/>
-            <pc:sldMk cId="1719002537" sldId="1438"/>
-            <ac:spMk id="2" creationId="{D1AA3B7E-9CC9-C9DA-10A4-E72373395222}"/>
-          </ac:spMkLst>
-        </pc:spChg>
-        <pc:spChg chg="mod">
-          <ac:chgData name="Lines, Todd" userId="afaf7c3a-e8aa-4568-882a-02ad8f9e19b0" providerId="ADAL" clId="{18C51731-65D7-4D63-A13A-C35379499D4F}" dt="2023-11-04T22:58:41.015" v="509" actId="5793"/>
-          <ac:spMkLst>
-            <pc:docMk/>
-            <pc:sldMk cId="1719002537" sldId="1438"/>
-            <ac:spMk id="3" creationId="{6E2E088F-1F1B-D008-D310-ED81A7A19573}"/>
-          </ac:spMkLst>
-        </pc:spChg>
-        <pc:spChg chg="add del mod">
-          <ac:chgData name="Lines, Todd" userId="afaf7c3a-e8aa-4568-882a-02ad8f9e19b0" providerId="ADAL" clId="{18C51731-65D7-4D63-A13A-C35379499D4F}" dt="2023-11-04T22:57:18.640" v="354" actId="478"/>
-          <ac:spMkLst>
-            <pc:docMk/>
-            <pc:sldMk cId="1719002537" sldId="1438"/>
-            <ac:spMk id="6" creationId="{B0B72417-BDFC-82FD-98CE-16867AC9E785}"/>
-          </ac:spMkLst>
-        </pc:spChg>
-        <pc:picChg chg="add mod">
-          <ac:chgData name="Lines, Todd" userId="afaf7c3a-e8aa-4568-882a-02ad8f9e19b0" providerId="ADAL" clId="{18C51731-65D7-4D63-A13A-C35379499D4F}" dt="2023-11-04T22:55:10.420" v="215" actId="1076"/>
-          <ac:picMkLst>
-            <pc:docMk/>
-            <pc:sldMk cId="1719002537" sldId="1438"/>
-            <ac:picMk id="4" creationId="{A22C20A7-CE27-23FD-9716-B9EA67317F00}"/>
-          </ac:picMkLst>
-        </pc:picChg>
       </pc:sldChg>
       <pc:sldChg chg="addSp delSp modSp add mod ord">
         <pc:chgData name="Lines, Todd" userId="afaf7c3a-e8aa-4568-882a-02ad8f9e19b0" providerId="ADAL" clId="{18C51731-65D7-4D63-A13A-C35379499D4F}" dt="2023-11-04T23:03:31.852" v="825" actId="1037"/>
@@ -2233,110 +366,6 @@
           <pc:docMk/>
           <pc:sldMk cId="2402894251" sldId="1439"/>
         </pc:sldMkLst>
-        <pc:spChg chg="add mod">
-          <ac:chgData name="Lines, Todd" userId="afaf7c3a-e8aa-4568-882a-02ad8f9e19b0" providerId="ADAL" clId="{18C51731-65D7-4D63-A13A-C35379499D4F}" dt="2023-11-04T23:03:31.852" v="825" actId="1037"/>
-          <ac:spMkLst>
-            <pc:docMk/>
-            <pc:sldMk cId="2402894251" sldId="1439"/>
-            <ac:spMk id="3" creationId="{9844CE23-2F7D-65BB-D01B-6A33FEC1D494}"/>
-          </ac:spMkLst>
-        </pc:spChg>
-        <pc:spChg chg="add mod">
-          <ac:chgData name="Lines, Todd" userId="afaf7c3a-e8aa-4568-882a-02ad8f9e19b0" providerId="ADAL" clId="{18C51731-65D7-4D63-A13A-C35379499D4F}" dt="2023-11-04T23:03:31.852" v="825" actId="1037"/>
-          <ac:spMkLst>
-            <pc:docMk/>
-            <pc:sldMk cId="2402894251" sldId="1439"/>
-            <ac:spMk id="4" creationId="{0D25303E-BE99-323F-6F47-10682F737770}"/>
-          </ac:spMkLst>
-        </pc:spChg>
-        <pc:spChg chg="add mod">
-          <ac:chgData name="Lines, Todd" userId="afaf7c3a-e8aa-4568-882a-02ad8f9e19b0" providerId="ADAL" clId="{18C51731-65D7-4D63-A13A-C35379499D4F}" dt="2023-11-04T23:03:18.024" v="815" actId="1076"/>
-          <ac:spMkLst>
-            <pc:docMk/>
-            <pc:sldMk cId="2402894251" sldId="1439"/>
-            <ac:spMk id="5" creationId="{A9F59353-559D-14BE-50B4-FC830203AEB0}"/>
-          </ac:spMkLst>
-        </pc:spChg>
-        <pc:spChg chg="add mod">
-          <ac:chgData name="Lines, Todd" userId="afaf7c3a-e8aa-4568-882a-02ad8f9e19b0" providerId="ADAL" clId="{18C51731-65D7-4D63-A13A-C35379499D4F}" dt="2023-11-04T23:03:19.847" v="817" actId="20577"/>
-          <ac:spMkLst>
-            <pc:docMk/>
-            <pc:sldMk cId="2402894251" sldId="1439"/>
-            <ac:spMk id="6" creationId="{2BC7A120-40F6-714D-CC50-DB0EB3255023}"/>
-          </ac:spMkLst>
-        </pc:spChg>
-        <pc:spChg chg="mod">
-          <ac:chgData name="Lines, Todd" userId="afaf7c3a-e8aa-4568-882a-02ad8f9e19b0" providerId="ADAL" clId="{18C51731-65D7-4D63-A13A-C35379499D4F}" dt="2023-11-04T23:02:41.346" v="807" actId="27636"/>
-          <ac:spMkLst>
-            <pc:docMk/>
-            <pc:sldMk cId="2402894251" sldId="1439"/>
-            <ac:spMk id="355331" creationId="{00000000-0000-0000-0000-000000000000}"/>
-          </ac:spMkLst>
-        </pc:spChg>
-        <pc:spChg chg="mod topLvl">
-          <ac:chgData name="Lines, Todd" userId="afaf7c3a-e8aa-4568-882a-02ad8f9e19b0" providerId="ADAL" clId="{18C51731-65D7-4D63-A13A-C35379499D4F}" dt="2023-11-04T23:01:03.299" v="532" actId="1076"/>
-          <ac:spMkLst>
-            <pc:docMk/>
-            <pc:sldMk cId="2402894251" sldId="1439"/>
-            <ac:spMk id="355333" creationId="{00000000-0000-0000-0000-000000000000}"/>
-          </ac:spMkLst>
-        </pc:spChg>
-        <pc:spChg chg="del mod topLvl">
-          <ac:chgData name="Lines, Todd" userId="afaf7c3a-e8aa-4568-882a-02ad8f9e19b0" providerId="ADAL" clId="{18C51731-65D7-4D63-A13A-C35379499D4F}" dt="2023-11-04T23:00:29.350" v="524" actId="478"/>
-          <ac:spMkLst>
-            <pc:docMk/>
-            <pc:sldMk cId="2402894251" sldId="1439"/>
-            <ac:spMk id="355334" creationId="{00000000-0000-0000-0000-000000000000}"/>
-          </ac:spMkLst>
-        </pc:spChg>
-        <pc:spChg chg="del mod topLvl">
-          <ac:chgData name="Lines, Todd" userId="afaf7c3a-e8aa-4568-882a-02ad8f9e19b0" providerId="ADAL" clId="{18C51731-65D7-4D63-A13A-C35379499D4F}" dt="2023-11-04T23:00:31.226" v="525" actId="478"/>
-          <ac:spMkLst>
-            <pc:docMk/>
-            <pc:sldMk cId="2402894251" sldId="1439"/>
-            <ac:spMk id="355335" creationId="{00000000-0000-0000-0000-000000000000}"/>
-          </ac:spMkLst>
-        </pc:spChg>
-        <pc:spChg chg="del mod topLvl">
-          <ac:chgData name="Lines, Todd" userId="afaf7c3a-e8aa-4568-882a-02ad8f9e19b0" providerId="ADAL" clId="{18C51731-65D7-4D63-A13A-C35379499D4F}" dt="2023-11-04T23:00:33.398" v="527" actId="478"/>
-          <ac:spMkLst>
-            <pc:docMk/>
-            <pc:sldMk cId="2402894251" sldId="1439"/>
-            <ac:spMk id="355336" creationId="{00000000-0000-0000-0000-000000000000}"/>
-          </ac:spMkLst>
-        </pc:spChg>
-        <pc:spChg chg="mod topLvl">
-          <ac:chgData name="Lines, Todd" userId="afaf7c3a-e8aa-4568-882a-02ad8f9e19b0" providerId="ADAL" clId="{18C51731-65D7-4D63-A13A-C35379499D4F}" dt="2023-11-04T23:01:03.299" v="532" actId="1076"/>
-          <ac:spMkLst>
-            <pc:docMk/>
-            <pc:sldMk cId="2402894251" sldId="1439"/>
-            <ac:spMk id="355337" creationId="{00000000-0000-0000-0000-000000000000}"/>
-          </ac:spMkLst>
-        </pc:spChg>
-        <pc:spChg chg="del mod topLvl">
-          <ac:chgData name="Lines, Todd" userId="afaf7c3a-e8aa-4568-882a-02ad8f9e19b0" providerId="ADAL" clId="{18C51731-65D7-4D63-A13A-C35379499D4F}" dt="2023-11-04T23:00:35.271" v="528" actId="478"/>
-          <ac:spMkLst>
-            <pc:docMk/>
-            <pc:sldMk cId="2402894251" sldId="1439"/>
-            <ac:spMk id="355338" creationId="{00000000-0000-0000-0000-000000000000}"/>
-          </ac:spMkLst>
-        </pc:spChg>
-        <pc:spChg chg="del mod topLvl">
-          <ac:chgData name="Lines, Todd" userId="afaf7c3a-e8aa-4568-882a-02ad8f9e19b0" providerId="ADAL" clId="{18C51731-65D7-4D63-A13A-C35379499D4F}" dt="2023-11-04T23:00:41.267" v="529" actId="478"/>
-          <ac:spMkLst>
-            <pc:docMk/>
-            <pc:sldMk cId="2402894251" sldId="1439"/>
-            <ac:spMk id="355339" creationId="{00000000-0000-0000-0000-000000000000}"/>
-          </ac:spMkLst>
-        </pc:spChg>
-        <pc:grpChg chg="del">
-          <ac:chgData name="Lines, Todd" userId="afaf7c3a-e8aa-4568-882a-02ad8f9e19b0" providerId="ADAL" clId="{18C51731-65D7-4D63-A13A-C35379499D4F}" dt="2023-11-04T23:00:26.453" v="523" actId="165"/>
-          <ac:grpSpMkLst>
-            <pc:docMk/>
-            <pc:sldMk cId="2402894251" sldId="1439"/>
-            <ac:grpSpMk id="2" creationId="{00000000-0000-0000-0000-000000000000}"/>
-          </ac:grpSpMkLst>
-        </pc:grpChg>
       </pc:sldChg>
       <pc:sldChg chg="add del">
         <pc:chgData name="Lines, Todd" userId="afaf7c3a-e8aa-4568-882a-02ad8f9e19b0" providerId="ADAL" clId="{18C51731-65D7-4D63-A13A-C35379499D4F}" dt="2023-11-05T00:02:14.870" v="1432" actId="47"/>
@@ -2351,70 +380,6 @@
           <pc:docMk/>
           <pc:sldMk cId="3116806468" sldId="1441"/>
         </pc:sldMkLst>
-        <pc:spChg chg="del">
-          <ac:chgData name="Lines, Todd" userId="afaf7c3a-e8aa-4568-882a-02ad8f9e19b0" providerId="ADAL" clId="{18C51731-65D7-4D63-A13A-C35379499D4F}" dt="2023-11-04T23:23:40.624" v="1130" actId="478"/>
-          <ac:spMkLst>
-            <pc:docMk/>
-            <pc:sldMk cId="3116806468" sldId="1441"/>
-            <ac:spMk id="2" creationId="{F84C7C66-ABE9-E0D9-359C-76A9B4C3BDEB}"/>
-          </ac:spMkLst>
-        </pc:spChg>
-        <pc:spChg chg="del">
-          <ac:chgData name="Lines, Todd" userId="afaf7c3a-e8aa-4568-882a-02ad8f9e19b0" providerId="ADAL" clId="{18C51731-65D7-4D63-A13A-C35379499D4F}" dt="2023-11-04T23:23:38.615" v="1129" actId="478"/>
-          <ac:spMkLst>
-            <pc:docMk/>
-            <pc:sldMk cId="3116806468" sldId="1441"/>
-            <ac:spMk id="3" creationId="{6F656D46-D181-CB7D-0152-06406ED2F3BE}"/>
-          </ac:spMkLst>
-        </pc:spChg>
-        <pc:spChg chg="add del">
-          <ac:chgData name="Lines, Todd" userId="afaf7c3a-e8aa-4568-882a-02ad8f9e19b0" providerId="ADAL" clId="{18C51731-65D7-4D63-A13A-C35379499D4F}" dt="2023-11-04T23:23:21.854" v="1125" actId="22"/>
-          <ac:spMkLst>
-            <pc:docMk/>
-            <pc:sldMk cId="3116806468" sldId="1441"/>
-            <ac:spMk id="5" creationId="{AB6E77AE-0F09-0A9A-112A-21193F0CACA7}"/>
-          </ac:spMkLst>
-        </pc:spChg>
-        <pc:spChg chg="add mod">
-          <ac:chgData name="Lines, Todd" userId="afaf7c3a-e8aa-4568-882a-02ad8f9e19b0" providerId="ADAL" clId="{18C51731-65D7-4D63-A13A-C35379499D4F}" dt="2023-11-04T23:29:02.927" v="1224" actId="20577"/>
-          <ac:spMkLst>
-            <pc:docMk/>
-            <pc:sldMk cId="3116806468" sldId="1441"/>
-            <ac:spMk id="9" creationId="{960AA896-808E-1FC7-A972-3AB0CB11D1B1}"/>
-          </ac:spMkLst>
-        </pc:spChg>
-        <pc:spChg chg="add mod">
-          <ac:chgData name="Lines, Todd" userId="afaf7c3a-e8aa-4568-882a-02ad8f9e19b0" providerId="ADAL" clId="{18C51731-65D7-4D63-A13A-C35379499D4F}" dt="2023-11-04T23:44:22.127" v="1327"/>
-          <ac:spMkLst>
-            <pc:docMk/>
-            <pc:sldMk cId="3116806468" sldId="1441"/>
-            <ac:spMk id="10" creationId="{735950BD-84F4-4C2F-3457-E387FAB3FD82}"/>
-          </ac:spMkLst>
-        </pc:spChg>
-        <pc:spChg chg="add mod">
-          <ac:chgData name="Lines, Todd" userId="afaf7c3a-e8aa-4568-882a-02ad8f9e19b0" providerId="ADAL" clId="{18C51731-65D7-4D63-A13A-C35379499D4F}" dt="2023-11-04T23:44:22.127" v="1327"/>
-          <ac:spMkLst>
-            <pc:docMk/>
-            <pc:sldMk cId="3116806468" sldId="1441"/>
-            <ac:spMk id="12" creationId="{71457F84-59F7-CE01-785A-B326758C8406}"/>
-          </ac:spMkLst>
-        </pc:spChg>
-        <pc:picChg chg="add mod">
-          <ac:chgData name="Lines, Todd" userId="afaf7c3a-e8aa-4568-882a-02ad8f9e19b0" providerId="ADAL" clId="{18C51731-65D7-4D63-A13A-C35379499D4F}" dt="2023-11-04T23:44:28.466" v="1328" actId="1076"/>
-          <ac:picMkLst>
-            <pc:docMk/>
-            <pc:sldMk cId="3116806468" sldId="1441"/>
-            <ac:picMk id="7" creationId="{3FCEE39F-17DD-0B7F-2FB7-49AD624AE344}"/>
-          </ac:picMkLst>
-        </pc:picChg>
-        <pc:cxnChg chg="add mod">
-          <ac:chgData name="Lines, Todd" userId="afaf7c3a-e8aa-4568-882a-02ad8f9e19b0" providerId="ADAL" clId="{18C51731-65D7-4D63-A13A-C35379499D4F}" dt="2023-11-04T23:44:22.127" v="1327"/>
-          <ac:cxnSpMkLst>
-            <pc:docMk/>
-            <pc:sldMk cId="3116806468" sldId="1441"/>
-            <ac:cxnSpMk id="11" creationId="{685BCF2D-E63F-8B6A-3A53-43165836434A}"/>
-          </ac:cxnSpMkLst>
-        </pc:cxnChg>
       </pc:sldChg>
       <pc:sldChg chg="addSp delSp modSp add mod">
         <pc:chgData name="Lines, Todd" userId="afaf7c3a-e8aa-4568-882a-02ad8f9e19b0" providerId="ADAL" clId="{18C51731-65D7-4D63-A13A-C35379499D4F}" dt="2023-11-04T23:56:01.858" v="1346" actId="20577"/>
@@ -2422,62 +387,6 @@
           <pc:docMk/>
           <pc:sldMk cId="3224742796" sldId="1442"/>
         </pc:sldMkLst>
-        <pc:spChg chg="add mod ord">
-          <ac:chgData name="Lines, Todd" userId="afaf7c3a-e8aa-4568-882a-02ad8f9e19b0" providerId="ADAL" clId="{18C51731-65D7-4D63-A13A-C35379499D4F}" dt="2023-11-04T23:45:14.286" v="1335" actId="167"/>
-          <ac:spMkLst>
-            <pc:docMk/>
-            <pc:sldMk cId="3224742796" sldId="1442"/>
-            <ac:spMk id="2" creationId="{B91DE3AC-A97B-9393-EE7B-72B2EA15969D}"/>
-          </ac:spMkLst>
-        </pc:spChg>
-        <pc:spChg chg="add mod">
-          <ac:chgData name="Lines, Todd" userId="afaf7c3a-e8aa-4568-882a-02ad8f9e19b0" providerId="ADAL" clId="{18C51731-65D7-4D63-A13A-C35379499D4F}" dt="2023-11-04T23:44:39.737" v="1329"/>
-          <ac:spMkLst>
-            <pc:docMk/>
-            <pc:sldMk cId="3224742796" sldId="1442"/>
-            <ac:spMk id="3" creationId="{797EE2FF-3541-8FBF-0F0F-440CE107F618}"/>
-          </ac:spMkLst>
-        </pc:spChg>
-        <pc:spChg chg="add mod">
-          <ac:chgData name="Lines, Todd" userId="afaf7c3a-e8aa-4568-882a-02ad8f9e19b0" providerId="ADAL" clId="{18C51731-65D7-4D63-A13A-C35379499D4F}" dt="2023-11-04T23:44:39.737" v="1329"/>
-          <ac:spMkLst>
-            <pc:docMk/>
-            <pc:sldMk cId="3224742796" sldId="1442"/>
-            <ac:spMk id="5" creationId="{09BFBC81-474E-9ACE-9500-DA3728EF2D02}"/>
-          </ac:spMkLst>
-        </pc:spChg>
-        <pc:spChg chg="add mod ord">
-          <ac:chgData name="Lines, Todd" userId="afaf7c3a-e8aa-4568-882a-02ad8f9e19b0" providerId="ADAL" clId="{18C51731-65D7-4D63-A13A-C35379499D4F}" dt="2023-11-04T23:45:14.286" v="1335" actId="167"/>
-          <ac:spMkLst>
-            <pc:docMk/>
-            <pc:sldMk cId="3224742796" sldId="1442"/>
-            <ac:spMk id="6" creationId="{7C8B7AA7-F0F5-7A9E-D610-A1FE669B3CE2}"/>
-          </ac:spMkLst>
-        </pc:spChg>
-        <pc:spChg chg="mod">
-          <ac:chgData name="Lines, Todd" userId="afaf7c3a-e8aa-4568-882a-02ad8f9e19b0" providerId="ADAL" clId="{18C51731-65D7-4D63-A13A-C35379499D4F}" dt="2023-11-04T23:56:01.858" v="1346" actId="20577"/>
-          <ac:spMkLst>
-            <pc:docMk/>
-            <pc:sldMk cId="3224742796" sldId="1442"/>
-            <ac:spMk id="9" creationId="{960AA896-808E-1FC7-A972-3AB0CB11D1B1}"/>
-          </ac:spMkLst>
-        </pc:spChg>
-        <pc:picChg chg="del">
-          <ac:chgData name="Lines, Todd" userId="afaf7c3a-e8aa-4568-882a-02ad8f9e19b0" providerId="ADAL" clId="{18C51731-65D7-4D63-A13A-C35379499D4F}" dt="2023-11-04T23:34:49.292" v="1226" actId="478"/>
-          <ac:picMkLst>
-            <pc:docMk/>
-            <pc:sldMk cId="3224742796" sldId="1442"/>
-            <ac:picMk id="7" creationId="{3FCEE39F-17DD-0B7F-2FB7-49AD624AE344}"/>
-          </ac:picMkLst>
-        </pc:picChg>
-        <pc:cxnChg chg="add mod">
-          <ac:chgData name="Lines, Todd" userId="afaf7c3a-e8aa-4568-882a-02ad8f9e19b0" providerId="ADAL" clId="{18C51731-65D7-4D63-A13A-C35379499D4F}" dt="2023-11-04T23:44:39.737" v="1329"/>
-          <ac:cxnSpMkLst>
-            <pc:docMk/>
-            <pc:sldMk cId="3224742796" sldId="1442"/>
-            <ac:cxnSpMk id="4" creationId="{3B066112-EBF1-5181-7438-914D62BB597F}"/>
-          </ac:cxnSpMkLst>
-        </pc:cxnChg>
       </pc:sldChg>
       <pc:sldChg chg="add del">
         <pc:chgData name="Lines, Todd" userId="afaf7c3a-e8aa-4568-882a-02ad8f9e19b0" providerId="ADAL" clId="{18C51731-65D7-4D63-A13A-C35379499D4F}" dt="2023-11-04T23:56:27.771" v="1347" actId="47"/>
@@ -2492,38 +401,6 @@
           <pc:docMk/>
           <pc:sldMk cId="3890309296" sldId="1444"/>
         </pc:sldMkLst>
-        <pc:spChg chg="add del">
-          <ac:chgData name="Lines, Todd" userId="afaf7c3a-e8aa-4568-882a-02ad8f9e19b0" providerId="ADAL" clId="{18C51731-65D7-4D63-A13A-C35379499D4F}" dt="2023-11-05T00:00:31.709" v="1424" actId="478"/>
-          <ac:spMkLst>
-            <pc:docMk/>
-            <pc:sldMk cId="3890309296" sldId="1444"/>
-            <ac:spMk id="2" creationId="{B91DE3AC-A97B-9393-EE7B-72B2EA15969D}"/>
-          </ac:spMkLst>
-        </pc:spChg>
-        <pc:spChg chg="add mod">
-          <ac:chgData name="Lines, Todd" userId="afaf7c3a-e8aa-4568-882a-02ad8f9e19b0" providerId="ADAL" clId="{18C51731-65D7-4D63-A13A-C35379499D4F}" dt="2023-11-05T00:00:52.337" v="1428" actId="2085"/>
-          <ac:spMkLst>
-            <pc:docMk/>
-            <pc:sldMk cId="3890309296" sldId="1444"/>
-            <ac:spMk id="7" creationId="{7C3F187D-9AAE-DA60-084E-F18ECF2CDAB7}"/>
-          </ac:spMkLst>
-        </pc:spChg>
-        <pc:spChg chg="add mod">
-          <ac:chgData name="Lines, Todd" userId="afaf7c3a-e8aa-4568-882a-02ad8f9e19b0" providerId="ADAL" clId="{18C51731-65D7-4D63-A13A-C35379499D4F}" dt="2023-11-05T00:01:03.289" v="1431" actId="207"/>
-          <ac:spMkLst>
-            <pc:docMk/>
-            <pc:sldMk cId="3890309296" sldId="1444"/>
-            <ac:spMk id="8" creationId="{42B61C61-07CC-133D-53AC-3A6F7506B532}"/>
-          </ac:spMkLst>
-        </pc:spChg>
-        <pc:spChg chg="mod">
-          <ac:chgData name="Lines, Todd" userId="afaf7c3a-e8aa-4568-882a-02ad8f9e19b0" providerId="ADAL" clId="{18C51731-65D7-4D63-A13A-C35379499D4F}" dt="2023-11-05T00:00:06.722" v="1421" actId="20577"/>
-          <ac:spMkLst>
-            <pc:docMk/>
-            <pc:sldMk cId="3890309296" sldId="1444"/>
-            <ac:spMk id="9" creationId="{960AA896-808E-1FC7-A972-3AB0CB11D1B1}"/>
-          </ac:spMkLst>
-        </pc:spChg>
       </pc:sldChg>
       <pc:sldChg chg="addSp delSp modSp new mod modAnim">
         <pc:chgData name="Lines, Todd" userId="afaf7c3a-e8aa-4568-882a-02ad8f9e19b0" providerId="ADAL" clId="{18C51731-65D7-4D63-A13A-C35379499D4F}" dt="2023-11-05T00:12:12.737" v="1443" actId="14100"/>
@@ -2531,30 +408,6 @@
           <pc:docMk/>
           <pc:sldMk cId="1823830044" sldId="1445"/>
         </pc:sldMkLst>
-        <pc:spChg chg="del">
-          <ac:chgData name="Lines, Todd" userId="afaf7c3a-e8aa-4568-882a-02ad8f9e19b0" providerId="ADAL" clId="{18C51731-65D7-4D63-A13A-C35379499D4F}" dt="2023-11-05T00:12:00.222" v="1439"/>
-          <ac:spMkLst>
-            <pc:docMk/>
-            <pc:sldMk cId="1823830044" sldId="1445"/>
-            <ac:spMk id="3" creationId="{DD1ADEBD-CF1C-555E-359A-271C2D7A7FEE}"/>
-          </ac:spMkLst>
-        </pc:spChg>
-        <pc:spChg chg="add mod">
-          <ac:chgData name="Lines, Todd" userId="afaf7c3a-e8aa-4568-882a-02ad8f9e19b0" providerId="ADAL" clId="{18C51731-65D7-4D63-A13A-C35379499D4F}" dt="2023-11-05T00:08:19.459" v="1438" actId="1076"/>
-          <ac:spMkLst>
-            <pc:docMk/>
-            <pc:sldMk cId="1823830044" sldId="1445"/>
-            <ac:spMk id="5" creationId="{40BED94A-1004-FB4B-1AD4-026F962A7EA5}"/>
-          </ac:spMkLst>
-        </pc:spChg>
-        <pc:picChg chg="add mod">
-          <ac:chgData name="Lines, Todd" userId="afaf7c3a-e8aa-4568-882a-02ad8f9e19b0" providerId="ADAL" clId="{18C51731-65D7-4D63-A13A-C35379499D4F}" dt="2023-11-05T00:12:12.737" v="1443" actId="14100"/>
-          <ac:picMkLst>
-            <pc:docMk/>
-            <pc:sldMk cId="1823830044" sldId="1445"/>
-            <ac:picMk id="6" creationId="{5F241986-E215-680C-B03C-6DA3745364A7}"/>
-          </ac:picMkLst>
-        </pc:picChg>
       </pc:sldChg>
       <pc:sldChg chg="addSp modSp new">
         <pc:chgData name="Lines, Todd" userId="afaf7c3a-e8aa-4568-882a-02ad8f9e19b0" providerId="ADAL" clId="{18C51731-65D7-4D63-A13A-C35379499D4F}" dt="2023-11-05T00:16:00.764" v="1447" actId="14100"/>
@@ -2562,14 +415,6 @@
           <pc:docMk/>
           <pc:sldMk cId="4006037905" sldId="1446"/>
         </pc:sldMkLst>
-        <pc:picChg chg="add mod">
-          <ac:chgData name="Lines, Todd" userId="afaf7c3a-e8aa-4568-882a-02ad8f9e19b0" providerId="ADAL" clId="{18C51731-65D7-4D63-A13A-C35379499D4F}" dt="2023-11-05T00:16:00.764" v="1447" actId="14100"/>
-          <ac:picMkLst>
-            <pc:docMk/>
-            <pc:sldMk cId="4006037905" sldId="1446"/>
-            <ac:picMk id="5122" creationId="{9D1A4CAA-4DFC-3F07-B0A0-7F887B5ED2FC}"/>
-          </ac:picMkLst>
-        </pc:picChg>
       </pc:sldChg>
     </pc:docChg>
   </pc:docChgLst>
@@ -2756,7 +601,7 @@
             <a:fld id="{FF63C9FC-D98D-450F-8666-DAE5A2C35D6D}" type="datetimeFigureOut">
               <a:rPr lang="en-US" smtClean="0"/>
               <a:pPr/>
-              <a:t>3/7/2024</a:t>
+              <a:t>10/7/2025</a:t>
             </a:fld>
             <a:endParaRPr lang="en-US"/>
           </a:p>
@@ -2921,7 +766,7 @@
             <a:fld id="{FF63C9FC-D98D-450F-8666-DAE5A2C35D6D}" type="datetimeFigureOut">
               <a:rPr lang="en-US" smtClean="0"/>
               <a:pPr/>
-              <a:t>3/7/2024</a:t>
+              <a:t>10/7/2025</a:t>
             </a:fld>
             <a:endParaRPr lang="en-US"/>
           </a:p>
@@ -3096,7 +941,7 @@
             <a:fld id="{FF63C9FC-D98D-450F-8666-DAE5A2C35D6D}" type="datetimeFigureOut">
               <a:rPr lang="en-US" smtClean="0"/>
               <a:pPr/>
-              <a:t>3/7/2024</a:t>
+              <a:t>10/7/2025</a:t>
             </a:fld>
             <a:endParaRPr lang="en-US"/>
           </a:p>
@@ -3261,7 +1106,7 @@
             <a:fld id="{FF63C9FC-D98D-450F-8666-DAE5A2C35D6D}" type="datetimeFigureOut">
               <a:rPr lang="en-US" smtClean="0"/>
               <a:pPr/>
-              <a:t>3/7/2024</a:t>
+              <a:t>10/7/2025</a:t>
             </a:fld>
             <a:endParaRPr lang="en-US"/>
           </a:p>
@@ -3503,7 +1348,7 @@
             <a:fld id="{FF63C9FC-D98D-450F-8666-DAE5A2C35D6D}" type="datetimeFigureOut">
               <a:rPr lang="en-US" smtClean="0"/>
               <a:pPr/>
-              <a:t>3/7/2024</a:t>
+              <a:t>10/7/2025</a:t>
             </a:fld>
             <a:endParaRPr lang="en-US"/>
           </a:p>
@@ -3785,7 +1630,7 @@
             <a:fld id="{FF63C9FC-D98D-450F-8666-DAE5A2C35D6D}" type="datetimeFigureOut">
               <a:rPr lang="en-US" smtClean="0"/>
               <a:pPr/>
-              <a:t>3/7/2024</a:t>
+              <a:t>10/7/2025</a:t>
             </a:fld>
             <a:endParaRPr lang="en-US"/>
           </a:p>
@@ -4201,7 +2046,7 @@
             <a:fld id="{FF63C9FC-D98D-450F-8666-DAE5A2C35D6D}" type="datetimeFigureOut">
               <a:rPr lang="en-US" smtClean="0"/>
               <a:pPr/>
-              <a:t>3/7/2024</a:t>
+              <a:t>10/7/2025</a:t>
             </a:fld>
             <a:endParaRPr lang="en-US"/>
           </a:p>
@@ -4315,7 +2160,7 @@
             <a:fld id="{FF63C9FC-D98D-450F-8666-DAE5A2C35D6D}" type="datetimeFigureOut">
               <a:rPr lang="en-US" smtClean="0"/>
               <a:pPr/>
-              <a:t>3/7/2024</a:t>
+              <a:t>10/7/2025</a:t>
             </a:fld>
             <a:endParaRPr lang="en-US"/>
           </a:p>
@@ -4407,7 +2252,7 @@
             <a:fld id="{FF63C9FC-D98D-450F-8666-DAE5A2C35D6D}" type="datetimeFigureOut">
               <a:rPr lang="en-US" smtClean="0"/>
               <a:pPr/>
-              <a:t>3/7/2024</a:t>
+              <a:t>10/7/2025</a:t>
             </a:fld>
             <a:endParaRPr lang="en-US"/>
           </a:p>
@@ -4679,7 +2524,7 @@
             <a:fld id="{FF63C9FC-D98D-450F-8666-DAE5A2C35D6D}" type="datetimeFigureOut">
               <a:rPr lang="en-US" smtClean="0"/>
               <a:pPr/>
-              <a:t>3/7/2024</a:t>
+              <a:t>10/7/2025</a:t>
             </a:fld>
             <a:endParaRPr lang="en-US"/>
           </a:p>
@@ -4928,7 +2773,7 @@
             <a:fld id="{FF63C9FC-D98D-450F-8666-DAE5A2C35D6D}" type="datetimeFigureOut">
               <a:rPr lang="en-US" smtClean="0"/>
               <a:pPr/>
-              <a:t>3/7/2024</a:t>
+              <a:t>10/7/2025</a:t>
             </a:fld>
             <a:endParaRPr lang="en-US"/>
           </a:p>
@@ -5136,7 +2981,7 @@
             <a:fld id="{FF63C9FC-D98D-450F-8666-DAE5A2C35D6D}" type="datetimeFigureOut">
               <a:rPr lang="en-US" smtClean="0"/>
               <a:pPr/>
-              <a:t>3/7/2024</a:t>
+              <a:t>10/7/2025</a:t>
             </a:fld>
             <a:endParaRPr lang="en-US"/>
           </a:p>
@@ -16471,13 +14316,34 @@
                 </a:r>
                 <a14:m>
                   <m:oMath xmlns:m="http://schemas.openxmlformats.org/officeDocument/2006/math">
-                    <m:r>
-                      <a:rPr lang="en-US" b="0" i="1" smtClean="0">
-                        <a:latin typeface="Cambria Math" panose="02040503050406030204" pitchFamily="18" charset="0"/>
-                        <a:ea typeface="Cambria Math" panose="02040503050406030204" pitchFamily="18" charset="0"/>
-                      </a:rPr>
-                      <m:t>𝐸</m:t>
-                    </m:r>
+                    <m:sSub>
+                      <m:sSubPr>
+                        <m:ctrlPr>
+                          <a:rPr lang="en-US" b="0" i="1" smtClean="0">
+                            <a:latin typeface="Cambria Math" panose="02040503050406030204" pitchFamily="18" charset="0"/>
+                            <a:ea typeface="Cambria Math" panose="02040503050406030204" pitchFamily="18" charset="0"/>
+                          </a:rPr>
+                        </m:ctrlPr>
+                      </m:sSubPr>
+                      <m:e>
+                        <m:r>
+                          <a:rPr lang="en-US" i="1">
+                            <a:latin typeface="Cambria Math" panose="02040503050406030204" pitchFamily="18" charset="0"/>
+                            <a:ea typeface="Cambria Math" panose="02040503050406030204" pitchFamily="18" charset="0"/>
+                          </a:rPr>
+                          <m:t>𝐸</m:t>
+                        </m:r>
+                      </m:e>
+                      <m:sub>
+                        <m:r>
+                          <a:rPr lang="en-US" b="0" i="1" smtClean="0">
+                            <a:latin typeface="Cambria Math" panose="02040503050406030204" pitchFamily="18" charset="0"/>
+                            <a:ea typeface="Cambria Math" panose="02040503050406030204" pitchFamily="18" charset="0"/>
+                          </a:rPr>
+                          <m:t>𝑠</m:t>
+                        </m:r>
+                      </m:sub>
+                    </m:sSub>
                     <m:r>
                       <a:rPr lang="en-US" b="0" i="1" smtClean="0">
                         <a:latin typeface="Cambria Math" panose="02040503050406030204" pitchFamily="18" charset="0"/>
@@ -19379,8 +17245,8 @@
           <a:chExt cx="0" cy="0"/>
         </a:xfrm>
       </p:grpSpPr>
-      <mc:AlternateContent xmlns:mc="http://schemas.openxmlformats.org/markup-compatibility/2006" xmlns:a14="http://schemas.microsoft.com/office/drawing/2010/main">
-        <mc:Choice Requires="a14">
+      <mc:AlternateContent xmlns:mc="http://schemas.openxmlformats.org/markup-compatibility/2006">
+        <mc:Choice xmlns:a14="http://schemas.microsoft.com/office/drawing/2010/main" Requires="a14">
           <p:sp>
             <p:nvSpPr>
               <p:cNvPr id="5" name="TextBox 4">
@@ -19619,7 +17485,7 @@
               <a:p>
                 <a:r>
                   <a:rPr lang="en-US" dirty="0"/>
-                  <a:t>Show that the z component of the field is </a:t>
+                  <a:t>Show that the x component of the field is </a:t>
                 </a:r>
                 <a:endParaRPr lang="en-US" dirty="0">
                   <a:latin typeface="Cambria Math" panose="02040503050406030204" pitchFamily="18" charset="0"/>
@@ -19870,7 +17736,7 @@
             </p:txBody>
           </p:sp>
         </mc:Choice>
-        <mc:Fallback xmlns="">
+        <mc:Fallback>
           <p:sp>
             <p:nvSpPr>
               <p:cNvPr id="5" name="TextBox 4">
@@ -20148,8 +18014,8 @@
           </a:prstGeom>
         </p:spPr>
       </p:pic>
-      <mc:AlternateContent xmlns:mc="http://schemas.openxmlformats.org/markup-compatibility/2006" xmlns:a14="http://schemas.microsoft.com/office/drawing/2010/main">
-        <mc:Choice Requires="a14">
+      <mc:AlternateContent xmlns:mc="http://schemas.openxmlformats.org/markup-compatibility/2006">
+        <mc:Choice xmlns:a14="http://schemas.microsoft.com/office/drawing/2010/main" Requires="a14">
           <p:sp>
             <p:nvSpPr>
               <p:cNvPr id="9" name="TextBox 8">
@@ -20215,6 +18081,13 @@
                         <a:ea typeface="Cambria Math" panose="02040503050406030204" pitchFamily="18" charset="0"/>
                       </a:rPr>
                       <m:t>=</m:t>
+                    </m:r>
+                    <m:r>
+                      <a:rPr lang="en-US" b="0" i="1" smtClean="0">
+                        <a:latin typeface="Cambria Math" panose="02040503050406030204" pitchFamily="18" charset="0"/>
+                        <a:ea typeface="Cambria Math" panose="02040503050406030204" pitchFamily="18" charset="0"/>
+                      </a:rPr>
+                      <m:t>−</m:t>
                     </m:r>
                     <m:f>
                       <m:fPr>
@@ -20477,7 +18350,7 @@
             </p:txBody>
           </p:sp>
         </mc:Choice>
-        <mc:Fallback xmlns="">
+        <mc:Fallback>
           <p:sp>
             <p:nvSpPr>
               <p:cNvPr id="9" name="TextBox 8">
@@ -20785,8 +18658,8 @@
           </a:p>
         </p:txBody>
       </p:sp>
-      <mc:AlternateContent xmlns:mc="http://schemas.openxmlformats.org/markup-compatibility/2006" xmlns:a14="http://schemas.microsoft.com/office/drawing/2010/main">
-        <mc:Choice Requires="a14">
+      <mc:AlternateContent xmlns:mc="http://schemas.openxmlformats.org/markup-compatibility/2006">
+        <mc:Choice xmlns:a14="http://schemas.microsoft.com/office/drawing/2010/main" Requires="a14">
           <p:sp>
             <p:nvSpPr>
               <p:cNvPr id="9" name="TextBox 8">
@@ -20864,11 +18737,11 @@
                       </m:fPr>
                       <m:num>
                         <m:r>
-                          <a:rPr lang="en-US" i="1">
+                          <a:rPr lang="en-US" b="0" i="1" smtClean="0">
                             <a:latin typeface="Cambria Math" panose="02040503050406030204" pitchFamily="18" charset="0"/>
                             <a:ea typeface="Cambria Math" panose="02040503050406030204" pitchFamily="18" charset="0"/>
                           </a:rPr>
-                          <m:t>𝜆</m:t>
+                          <m:t>1</m:t>
                         </m:r>
                       </m:num>
                       <m:den>
@@ -21331,7 +19204,7 @@
             </p:txBody>
           </p:sp>
         </mc:Choice>
-        <mc:Fallback xmlns="">
+        <mc:Fallback>
           <p:sp>
             <p:nvSpPr>
               <p:cNvPr id="9" name="TextBox 8">
